--- a/skripsi/Skripsi Pro/Presentation1.pptx
+++ b/skripsi/Skripsi Pro/Presentation1.pptx
@@ -5,20 +5,21 @@
     <p:sldMasterId id="2147483696" r:id="rId1"/>
   </p:sldMasterIdLst>
   <p:sldIdLst>
-    <p:sldId id="276" r:id="rId2"/>
-    <p:sldId id="262" r:id="rId3"/>
-    <p:sldId id="269" r:id="rId4"/>
-    <p:sldId id="271" r:id="rId5"/>
-    <p:sldId id="272" r:id="rId6"/>
-    <p:sldId id="270" r:id="rId7"/>
-    <p:sldId id="273" r:id="rId8"/>
-    <p:sldId id="274" r:id="rId9"/>
-    <p:sldId id="275" r:id="rId10"/>
-    <p:sldId id="264" r:id="rId11"/>
-    <p:sldId id="265" r:id="rId12"/>
-    <p:sldId id="266" r:id="rId13"/>
-    <p:sldId id="267" r:id="rId14"/>
-    <p:sldId id="268" r:id="rId15"/>
+    <p:sldId id="278" r:id="rId2"/>
+    <p:sldId id="279" r:id="rId3"/>
+    <p:sldId id="262" r:id="rId4"/>
+    <p:sldId id="269" r:id="rId5"/>
+    <p:sldId id="271" r:id="rId6"/>
+    <p:sldId id="272" r:id="rId7"/>
+    <p:sldId id="270" r:id="rId8"/>
+    <p:sldId id="273" r:id="rId9"/>
+    <p:sldId id="274" r:id="rId10"/>
+    <p:sldId id="275" r:id="rId11"/>
+    <p:sldId id="264" r:id="rId12"/>
+    <p:sldId id="265" r:id="rId13"/>
+    <p:sldId id="266" r:id="rId14"/>
+    <p:sldId id="267" r:id="rId15"/>
+    <p:sldId id="268" r:id="rId16"/>
   </p:sldIdLst>
   <p:sldSz cx="12192000" cy="6858000"/>
   <p:notesSz cx="6858000" cy="9144000"/>
@@ -122,7 +123,8 @@
       <p14:sectionLst xmlns:p14="http://schemas.microsoft.com/office/powerpoint/2010/main">
         <p14:section name="Presentation" id="{1533C07A-A3A7-4C4B-88CB-4F3DA53A1636}">
           <p14:sldIdLst>
-            <p14:sldId id="276"/>
+            <p14:sldId id="278"/>
+            <p14:sldId id="279"/>
             <p14:sldId id="262"/>
             <p14:sldId id="269"/>
             <p14:sldId id="271"/>
@@ -3393,10 +3395,10 @@
       </p:grpSpPr>
       <p:sp>
         <p:nvSpPr>
-          <p:cNvPr id="5" name="Rectangle: Rounded Corners 4">
-            <a:extLst>
-              <a:ext uri="{FF2B5EF4-FFF2-40B4-BE49-F238E27FC236}">
-                <a16:creationId xmlns:a16="http://schemas.microsoft.com/office/drawing/2014/main" id="{D936DD3D-29B3-44D6-B472-73615AC48513}"/>
+          <p:cNvPr id="34" name="Rectangle: Rounded Corners 33">
+            <a:extLst>
+              <a:ext uri="{FF2B5EF4-FFF2-40B4-BE49-F238E27FC236}">
+                <a16:creationId xmlns:a16="http://schemas.microsoft.com/office/drawing/2014/main" id="{A67A1DBE-7356-4F3F-85E6-405E318A56A4}"/>
               </a:ext>
             </a:extLst>
           </p:cNvPr>
@@ -3437,10 +3439,10 @@
       </p:sp>
       <p:sp>
         <p:nvSpPr>
-          <p:cNvPr id="6" name="Arrow: Right 5">
-            <a:extLst>
-              <a:ext uri="{FF2B5EF4-FFF2-40B4-BE49-F238E27FC236}">
-                <a16:creationId xmlns:a16="http://schemas.microsoft.com/office/drawing/2014/main" id="{9FDA0ADE-025D-46AE-8160-322B4458B33F}"/>
+          <p:cNvPr id="35" name="Arrow: Right 34">
+            <a:extLst>
+              <a:ext uri="{FF2B5EF4-FFF2-40B4-BE49-F238E27FC236}">
+                <a16:creationId xmlns:a16="http://schemas.microsoft.com/office/drawing/2014/main" id="{C667A18C-05C9-4E8F-B017-A6DE3E67A7D9}"/>
               </a:ext>
             </a:extLst>
           </p:cNvPr>
@@ -3487,10 +3489,10 @@
       </p:sp>
       <p:sp>
         <p:nvSpPr>
-          <p:cNvPr id="7" name="Rectangle: Rounded Corners 6">
-            <a:extLst>
-              <a:ext uri="{FF2B5EF4-FFF2-40B4-BE49-F238E27FC236}">
-                <a16:creationId xmlns:a16="http://schemas.microsoft.com/office/drawing/2014/main" id="{2945B416-E27E-4D86-ABBF-937F14246785}"/>
+          <p:cNvPr id="36" name="Rectangle: Rounded Corners 35">
+            <a:extLst>
+              <a:ext uri="{FF2B5EF4-FFF2-40B4-BE49-F238E27FC236}">
+                <a16:creationId xmlns:a16="http://schemas.microsoft.com/office/drawing/2014/main" id="{D2FC6583-0CBC-4215-A0B9-19B345803BE8}"/>
               </a:ext>
             </a:extLst>
           </p:cNvPr>
@@ -3531,10 +3533,10 @@
       </p:sp>
       <p:sp>
         <p:nvSpPr>
-          <p:cNvPr id="8" name="Arrow: Right 7">
-            <a:extLst>
-              <a:ext uri="{FF2B5EF4-FFF2-40B4-BE49-F238E27FC236}">
-                <a16:creationId xmlns:a16="http://schemas.microsoft.com/office/drawing/2014/main" id="{9A33951E-3F42-4093-9798-722537C57F71}"/>
+          <p:cNvPr id="37" name="Arrow: Right 36">
+            <a:extLst>
+              <a:ext uri="{FF2B5EF4-FFF2-40B4-BE49-F238E27FC236}">
+                <a16:creationId xmlns:a16="http://schemas.microsoft.com/office/drawing/2014/main" id="{C6544F15-0E4C-418D-ACC3-20612FB3B56C}"/>
               </a:ext>
             </a:extLst>
           </p:cNvPr>
@@ -3581,10 +3583,10 @@
       </p:sp>
       <p:sp>
         <p:nvSpPr>
-          <p:cNvPr id="9" name="Rectangle: Rounded Corners 8">
-            <a:extLst>
-              <a:ext uri="{FF2B5EF4-FFF2-40B4-BE49-F238E27FC236}">
-                <a16:creationId xmlns:a16="http://schemas.microsoft.com/office/drawing/2014/main" id="{ED35D1C7-7C9F-4200-9307-18392141AB5C}"/>
+          <p:cNvPr id="38" name="Rectangle: Rounded Corners 37">
+            <a:extLst>
+              <a:ext uri="{FF2B5EF4-FFF2-40B4-BE49-F238E27FC236}">
+                <a16:creationId xmlns:a16="http://schemas.microsoft.com/office/drawing/2014/main" id="{2E16251E-C19A-4736-B829-1D91A90BF902}"/>
               </a:ext>
             </a:extLst>
           </p:cNvPr>
@@ -3625,10 +3627,10 @@
       </p:sp>
       <p:sp>
         <p:nvSpPr>
-          <p:cNvPr id="10" name="Arrow: Right 9">
-            <a:extLst>
-              <a:ext uri="{FF2B5EF4-FFF2-40B4-BE49-F238E27FC236}">
-                <a16:creationId xmlns:a16="http://schemas.microsoft.com/office/drawing/2014/main" id="{8C5B7E6E-9721-463E-9A2F-90929C12836E}"/>
+          <p:cNvPr id="39" name="Arrow: Right 38">
+            <a:extLst>
+              <a:ext uri="{FF2B5EF4-FFF2-40B4-BE49-F238E27FC236}">
+                <a16:creationId xmlns:a16="http://schemas.microsoft.com/office/drawing/2014/main" id="{72872F2D-10E8-46FF-9C21-DA585FC1E5F3}"/>
               </a:ext>
             </a:extLst>
           </p:cNvPr>
@@ -3675,10 +3677,10 @@
       </p:sp>
       <p:sp>
         <p:nvSpPr>
-          <p:cNvPr id="11" name="Rectangle: Rounded Corners 10">
-            <a:extLst>
-              <a:ext uri="{FF2B5EF4-FFF2-40B4-BE49-F238E27FC236}">
-                <a16:creationId xmlns:a16="http://schemas.microsoft.com/office/drawing/2014/main" id="{D8C85D01-5ADC-4250-9DF2-BA4C73FE20AD}"/>
+          <p:cNvPr id="40" name="Rectangle: Rounded Corners 39">
+            <a:extLst>
+              <a:ext uri="{FF2B5EF4-FFF2-40B4-BE49-F238E27FC236}">
+                <a16:creationId xmlns:a16="http://schemas.microsoft.com/office/drawing/2014/main" id="{9E25BA6C-9B8C-490F-9989-6FDFAEAE96A0}"/>
               </a:ext>
             </a:extLst>
           </p:cNvPr>
@@ -3719,10 +3721,10 @@
       </p:sp>
       <p:sp>
         <p:nvSpPr>
-          <p:cNvPr id="12" name="Arrow: Right 11">
-            <a:extLst>
-              <a:ext uri="{FF2B5EF4-FFF2-40B4-BE49-F238E27FC236}">
-                <a16:creationId xmlns:a16="http://schemas.microsoft.com/office/drawing/2014/main" id="{711D29EF-9AB2-490F-B603-F154A0DC5C6D}"/>
+          <p:cNvPr id="41" name="Arrow: Right 40">
+            <a:extLst>
+              <a:ext uri="{FF2B5EF4-FFF2-40B4-BE49-F238E27FC236}">
+                <a16:creationId xmlns:a16="http://schemas.microsoft.com/office/drawing/2014/main" id="{6BF61E38-0B11-4D66-A9B3-7BBE782D4C69}"/>
               </a:ext>
             </a:extLst>
           </p:cNvPr>
@@ -3770,7 +3772,175 @@
     </p:spTree>
     <p:extLst>
       <p:ext uri="{BB962C8B-B14F-4D97-AF65-F5344CB8AC3E}">
-        <p14:creationId xmlns:p14="http://schemas.microsoft.com/office/powerpoint/2010/main" val="2949496616"/>
+        <p14:creationId xmlns:p14="http://schemas.microsoft.com/office/powerpoint/2010/main" val="1262061535"/>
+      </p:ext>
+    </p:extLst>
+  </p:cSld>
+  <p:clrMapOvr>
+    <a:masterClrMapping/>
+  </p:clrMapOvr>
+  <mc:AlternateContent xmlns:mc="http://schemas.openxmlformats.org/markup-compatibility/2006" xmlns:p159="http://schemas.microsoft.com/office/powerpoint/2015/09/main">
+    <mc:Choice Requires="p159">
+      <p:transition spd="slow">
+        <p159:morph option="byObject"/>
+      </p:transition>
+    </mc:Choice>
+    <mc:Fallback xmlns="">
+      <p:transition spd="slow">
+        <p:fade/>
+      </p:transition>
+    </mc:Fallback>
+  </mc:AlternateContent>
+</p:sld>
+</file>
+
+<file path=ppt/slides/slide10.xml><?xml version="1.0" encoding="utf-8"?>
+<p:sld xmlns:a="http://schemas.openxmlformats.org/drawingml/2006/main" xmlns:r="http://schemas.openxmlformats.org/officeDocument/2006/relationships" xmlns:p="http://schemas.openxmlformats.org/presentationml/2006/main">
+  <p:cSld>
+    <p:spTree>
+      <p:nvGrpSpPr>
+        <p:cNvPr id="1" name=""/>
+        <p:cNvGrpSpPr/>
+        <p:nvPr/>
+      </p:nvGrpSpPr>
+      <p:grpSpPr>
+        <a:xfrm>
+          <a:off x="0" y="0"/>
+          <a:ext cx="0" cy="0"/>
+          <a:chOff x="0" y="0"/>
+          <a:chExt cx="0" cy="0"/>
+        </a:xfrm>
+      </p:grpSpPr>
+      <p:sp>
+        <p:nvSpPr>
+          <p:cNvPr id="4" name="TextBox 3">
+            <a:extLst>
+              <a:ext uri="{FF2B5EF4-FFF2-40B4-BE49-F238E27FC236}">
+                <a16:creationId xmlns:a16="http://schemas.microsoft.com/office/drawing/2014/main" id="{D89DC508-41DF-4A62-8727-927F09B70514}"/>
+              </a:ext>
+            </a:extLst>
+          </p:cNvPr>
+          <p:cNvSpPr txBox="1"/>
+          <p:nvPr/>
+        </p:nvSpPr>
+        <p:spPr>
+          <a:xfrm>
+            <a:off x="1173561" y="2957512"/>
+            <a:ext cx="4423520" cy="646331"/>
+          </a:xfrm>
+          <a:prstGeom prst="rect">
+            <a:avLst/>
+          </a:prstGeom>
+          <a:noFill/>
+        </p:spPr>
+        <p:txBody>
+          <a:bodyPr wrap="none" rtlCol="0">
+            <a:spAutoFit/>
+          </a:bodyPr>
+          <a:lstStyle/>
+          <a:p>
+            <a:pPr algn="ctr"/>
+            <a:r>
+              <a:rPr lang="en-US" sz="3600" dirty="0"/>
+              <a:t>Documents and Code: </a:t>
+            </a:r>
+          </a:p>
+        </p:txBody>
+      </p:sp>
+      <p:sp>
+        <p:nvSpPr>
+          <p:cNvPr id="5" name="TextBox 4">
+            <a:extLst>
+              <a:ext uri="{FF2B5EF4-FFF2-40B4-BE49-F238E27FC236}">
+                <a16:creationId xmlns:a16="http://schemas.microsoft.com/office/drawing/2014/main" id="{BD8EB731-852E-495B-A4D1-395E95510169}"/>
+              </a:ext>
+            </a:extLst>
+          </p:cNvPr>
+          <p:cNvSpPr txBox="1"/>
+          <p:nvPr/>
+        </p:nvSpPr>
+        <p:spPr>
+          <a:xfrm>
+            <a:off x="5481638" y="2957511"/>
+            <a:ext cx="5886611" cy="646331"/>
+          </a:xfrm>
+          <a:prstGeom prst="rect">
+            <a:avLst/>
+          </a:prstGeom>
+          <a:noFill/>
+        </p:spPr>
+        <p:txBody>
+          <a:bodyPr wrap="none" rtlCol="0">
+            <a:spAutoFit/>
+          </a:bodyPr>
+          <a:lstStyle/>
+          <a:p>
+            <a:r>
+              <a:rPr lang="en-US" sz="3600" dirty="0"/>
+              <a:t>http://github.com/zkgz/skripsi</a:t>
+            </a:r>
+          </a:p>
+        </p:txBody>
+      </p:sp>
+      <p:sp>
+        <p:nvSpPr>
+          <p:cNvPr id="6" name="Rectangle 5">
+            <a:extLst>
+              <a:ext uri="{FF2B5EF4-FFF2-40B4-BE49-F238E27FC236}">
+                <a16:creationId xmlns:a16="http://schemas.microsoft.com/office/drawing/2014/main" id="{7D3820EF-673B-4667-84BB-FD0847DED45E}"/>
+              </a:ext>
+            </a:extLst>
+          </p:cNvPr>
+          <p:cNvSpPr/>
+          <p:nvPr/>
+        </p:nvSpPr>
+        <p:spPr>
+          <a:xfrm>
+            <a:off x="5481638" y="2957511"/>
+            <a:ext cx="5886611" cy="646331"/>
+          </a:xfrm>
+          <a:prstGeom prst="rect">
+            <a:avLst/>
+          </a:prstGeom>
+          <a:noFill/>
+          <a:ln>
+            <a:solidFill>
+              <a:schemeClr val="tx1">
+                <a:lumMod val="95000"/>
+                <a:lumOff val="5000"/>
+              </a:schemeClr>
+            </a:solidFill>
+          </a:ln>
+        </p:spPr>
+        <p:style>
+          <a:lnRef idx="2">
+            <a:schemeClr val="accent1">
+              <a:shade val="50000"/>
+            </a:schemeClr>
+          </a:lnRef>
+          <a:fillRef idx="1">
+            <a:schemeClr val="accent1"/>
+          </a:fillRef>
+          <a:effectRef idx="0">
+            <a:schemeClr val="accent1"/>
+          </a:effectRef>
+          <a:fontRef idx="minor">
+            <a:schemeClr val="lt1"/>
+          </a:fontRef>
+        </p:style>
+        <p:txBody>
+          <a:bodyPr rtlCol="0" anchor="ctr"/>
+          <a:lstStyle/>
+          <a:p>
+            <a:pPr algn="ctr"/>
+            <a:endParaRPr lang="en-US"/>
+          </a:p>
+        </p:txBody>
+      </p:sp>
+    </p:spTree>
+    <p:extLst>
+      <p:ext uri="{BB962C8B-B14F-4D97-AF65-F5344CB8AC3E}">
+        <p14:creationId xmlns:p14="http://schemas.microsoft.com/office/powerpoint/2010/main" val="1092752375"/>
       </p:ext>
     </p:extLst>
   </p:cSld>
@@ -3780,7 +3950,7 @@
 </p:sld>
 </file>
 
-<file path=ppt/slides/slide10.xml><?xml version="1.0" encoding="utf-8"?>
+<file path=ppt/slides/slide11.xml><?xml version="1.0" encoding="utf-8"?>
 <p:sld xmlns:a="http://schemas.openxmlformats.org/drawingml/2006/main" xmlns:r="http://schemas.openxmlformats.org/officeDocument/2006/relationships" xmlns:p="http://schemas.openxmlformats.org/presentationml/2006/main">
   <p:cSld>
     <p:spTree>
@@ -6518,8 +6688,8 @@
           </p:txBody>
         </p:sp>
       </p:grpSp>
-      <mc:AlternateContent xmlns:mc="http://schemas.openxmlformats.org/markup-compatibility/2006">
-        <mc:Choice xmlns:a14="http://schemas.microsoft.com/office/drawing/2010/main" Requires="a14">
+      <mc:AlternateContent xmlns:mc="http://schemas.openxmlformats.org/markup-compatibility/2006" xmlns:a14="http://schemas.microsoft.com/office/drawing/2010/main">
+        <mc:Choice Requires="a14">
           <p:sp>
             <p:nvSpPr>
               <p:cNvPr id="2" name="TextBox 1">
@@ -6548,6 +6718,7 @@
               </a:bodyPr>
               <a:lstStyle/>
               <a:p>
+                <a:pPr/>
                 <a14:m>
                   <m:oMathPara xmlns:m="http://schemas.openxmlformats.org/officeDocument/2006/math">
                     <m:oMathParaPr>
@@ -6601,7 +6772,7 @@
             </p:txBody>
           </p:sp>
         </mc:Choice>
-        <mc:Fallback>
+        <mc:Fallback xmlns="">
           <p:sp>
             <p:nvSpPr>
               <p:cNvPr id="2" name="TextBox 1">
@@ -6646,8 +6817,8 @@
           </p:sp>
         </mc:Fallback>
       </mc:AlternateContent>
-      <mc:AlternateContent xmlns:mc="http://schemas.openxmlformats.org/markup-compatibility/2006">
-        <mc:Choice xmlns:a14="http://schemas.microsoft.com/office/drawing/2010/main" Requires="a14">
+      <mc:AlternateContent xmlns:mc="http://schemas.openxmlformats.org/markup-compatibility/2006" xmlns:a14="http://schemas.microsoft.com/office/drawing/2010/main">
+        <mc:Choice Requires="a14">
           <p:sp>
             <p:nvSpPr>
               <p:cNvPr id="84" name="TextBox 83">
@@ -6676,6 +6847,7 @@
               </a:bodyPr>
               <a:lstStyle/>
               <a:p>
+                <a:pPr/>
                 <a14:m>
                   <m:oMathPara xmlns:m="http://schemas.openxmlformats.org/officeDocument/2006/math">
                     <m:oMathParaPr>
@@ -6729,7 +6901,7 @@
             </p:txBody>
           </p:sp>
         </mc:Choice>
-        <mc:Fallback>
+        <mc:Fallback xmlns="">
           <p:sp>
             <p:nvSpPr>
               <p:cNvPr id="84" name="TextBox 83">
@@ -6784,13 +6956,13 @@
   <p:clrMapOvr>
     <a:masterClrMapping/>
   </p:clrMapOvr>
-  <mc:AlternateContent xmlns:mc="http://schemas.openxmlformats.org/markup-compatibility/2006">
-    <mc:Choice xmlns:p159="http://schemas.microsoft.com/office/powerpoint/2015/09/main" Requires="p159">
+  <mc:AlternateContent xmlns:mc="http://schemas.openxmlformats.org/markup-compatibility/2006" xmlns:p159="http://schemas.microsoft.com/office/powerpoint/2015/09/main">
+    <mc:Choice Requires="p159">
       <p:transition spd="slow">
         <p159:morph option="byObject"/>
       </p:transition>
     </mc:Choice>
-    <mc:Fallback>
+    <mc:Fallback xmlns="">
       <p:transition spd="slow">
         <p:fade/>
       </p:transition>
@@ -8374,7 +8546,7 @@
 </p:sld>
 </file>
 
-<file path=ppt/slides/slide11.xml><?xml version="1.0" encoding="utf-8"?>
+<file path=ppt/slides/slide12.xml><?xml version="1.0" encoding="utf-8"?>
 <p:sld xmlns:a="http://schemas.openxmlformats.org/drawingml/2006/main" xmlns:r="http://schemas.openxmlformats.org/officeDocument/2006/relationships" xmlns:p="http://schemas.openxmlformats.org/presentationml/2006/main">
   <p:cSld>
     <p:spTree>
@@ -10990,8 +11162,8 @@
           </a:p>
         </p:txBody>
       </p:sp>
-      <mc:AlternateContent xmlns:mc="http://schemas.openxmlformats.org/markup-compatibility/2006">
-        <mc:Choice xmlns:a14="http://schemas.microsoft.com/office/drawing/2010/main" Requires="a14">
+      <mc:AlternateContent xmlns:mc="http://schemas.openxmlformats.org/markup-compatibility/2006" xmlns:a14="http://schemas.microsoft.com/office/drawing/2010/main">
+        <mc:Choice Requires="a14">
           <p:sp>
             <p:nvSpPr>
               <p:cNvPr id="76" name="TextBox 75">
@@ -11020,6 +11192,7 @@
               </a:bodyPr>
               <a:lstStyle/>
               <a:p>
+                <a:pPr/>
                 <a14:m>
                   <m:oMathPara xmlns:m="http://schemas.openxmlformats.org/officeDocument/2006/math">
                     <m:oMathParaPr>
@@ -11073,7 +11246,7 @@
             </p:txBody>
           </p:sp>
         </mc:Choice>
-        <mc:Fallback>
+        <mc:Fallback xmlns="">
           <p:sp>
             <p:nvSpPr>
               <p:cNvPr id="76" name="TextBox 75">
@@ -11118,8 +11291,8 @@
           </p:sp>
         </mc:Fallback>
       </mc:AlternateContent>
-      <mc:AlternateContent xmlns:mc="http://schemas.openxmlformats.org/markup-compatibility/2006">
-        <mc:Choice xmlns:a14="http://schemas.microsoft.com/office/drawing/2010/main" Requires="a14">
+      <mc:AlternateContent xmlns:mc="http://schemas.openxmlformats.org/markup-compatibility/2006" xmlns:a14="http://schemas.microsoft.com/office/drawing/2010/main">
+        <mc:Choice Requires="a14">
           <p:sp>
             <p:nvSpPr>
               <p:cNvPr id="77" name="TextBox 76">
@@ -11148,6 +11321,7 @@
               </a:bodyPr>
               <a:lstStyle/>
               <a:p>
+                <a:pPr/>
                 <a14:m>
                   <m:oMathPara xmlns:m="http://schemas.openxmlformats.org/officeDocument/2006/math">
                     <m:oMathParaPr>
@@ -11201,7 +11375,7 @@
             </p:txBody>
           </p:sp>
         </mc:Choice>
-        <mc:Fallback>
+        <mc:Fallback xmlns="">
           <p:sp>
             <p:nvSpPr>
               <p:cNvPr id="77" name="TextBox 76">
@@ -11256,13 +11430,13 @@
   <p:clrMapOvr>
     <a:masterClrMapping/>
   </p:clrMapOvr>
-  <mc:AlternateContent xmlns:mc="http://schemas.openxmlformats.org/markup-compatibility/2006">
-    <mc:Choice xmlns:p159="http://schemas.microsoft.com/office/powerpoint/2015/09/main" Requires="p159">
+  <mc:AlternateContent xmlns:mc="http://schemas.openxmlformats.org/markup-compatibility/2006" xmlns:p159="http://schemas.microsoft.com/office/powerpoint/2015/09/main">
+    <mc:Choice Requires="p159">
       <p:transition spd="slow">
         <p159:morph option="byWord"/>
       </p:transition>
     </mc:Choice>
-    <mc:Fallback>
+    <mc:Fallback xmlns="">
       <p:transition spd="slow">
         <p:fade/>
       </p:transition>
@@ -11658,7 +11832,7 @@
 </p:sld>
 </file>
 
-<file path=ppt/slides/slide12.xml><?xml version="1.0" encoding="utf-8"?>
+<file path=ppt/slides/slide13.xml><?xml version="1.0" encoding="utf-8"?>
 <p:sld xmlns:a="http://schemas.openxmlformats.org/drawingml/2006/main" xmlns:r="http://schemas.openxmlformats.org/officeDocument/2006/relationships" xmlns:p="http://schemas.openxmlformats.org/presentationml/2006/main">
   <p:cSld>
     <p:spTree>
@@ -14354,8 +14528,8 @@
           </a:p>
         </p:txBody>
       </p:sp>
-      <mc:AlternateContent xmlns:mc="http://schemas.openxmlformats.org/markup-compatibility/2006">
-        <mc:Choice xmlns:a14="http://schemas.microsoft.com/office/drawing/2010/main" Requires="a14">
+      <mc:AlternateContent xmlns:mc="http://schemas.openxmlformats.org/markup-compatibility/2006" xmlns:a14="http://schemas.microsoft.com/office/drawing/2010/main">
+        <mc:Choice Requires="a14">
           <p:sp>
             <p:nvSpPr>
               <p:cNvPr id="78" name="TextBox 77">
@@ -14384,6 +14558,7 @@
               </a:bodyPr>
               <a:lstStyle/>
               <a:p>
+                <a:pPr/>
                 <a14:m>
                   <m:oMathPara xmlns:m="http://schemas.openxmlformats.org/officeDocument/2006/math">
                     <m:oMathParaPr>
@@ -14437,7 +14612,7 @@
             </p:txBody>
           </p:sp>
         </mc:Choice>
-        <mc:Fallback>
+        <mc:Fallback xmlns="">
           <p:sp>
             <p:nvSpPr>
               <p:cNvPr id="78" name="TextBox 77">
@@ -14482,8 +14657,8 @@
           </p:sp>
         </mc:Fallback>
       </mc:AlternateContent>
-      <mc:AlternateContent xmlns:mc="http://schemas.openxmlformats.org/markup-compatibility/2006">
-        <mc:Choice xmlns:a14="http://schemas.microsoft.com/office/drawing/2010/main" Requires="a14">
+      <mc:AlternateContent xmlns:mc="http://schemas.openxmlformats.org/markup-compatibility/2006" xmlns:a14="http://schemas.microsoft.com/office/drawing/2010/main">
+        <mc:Choice Requires="a14">
           <p:sp>
             <p:nvSpPr>
               <p:cNvPr id="79" name="TextBox 78">
@@ -14512,6 +14687,7 @@
               </a:bodyPr>
               <a:lstStyle/>
               <a:p>
+                <a:pPr/>
                 <a14:m>
                   <m:oMathPara xmlns:m="http://schemas.openxmlformats.org/officeDocument/2006/math">
                     <m:oMathParaPr>
@@ -14565,7 +14741,7 @@
             </p:txBody>
           </p:sp>
         </mc:Choice>
-        <mc:Fallback>
+        <mc:Fallback xmlns="">
           <p:sp>
             <p:nvSpPr>
               <p:cNvPr id="79" name="TextBox 78">
@@ -14620,13 +14796,13 @@
   <p:clrMapOvr>
     <a:masterClrMapping/>
   </p:clrMapOvr>
-  <mc:AlternateContent xmlns:mc="http://schemas.openxmlformats.org/markup-compatibility/2006">
-    <mc:Choice xmlns:p159="http://schemas.microsoft.com/office/powerpoint/2015/09/main" Requires="p159">
+  <mc:AlternateContent xmlns:mc="http://schemas.openxmlformats.org/markup-compatibility/2006" xmlns:p159="http://schemas.microsoft.com/office/powerpoint/2015/09/main">
+    <mc:Choice Requires="p159">
       <p:transition spd="slow">
         <p159:morph option="byWord"/>
       </p:transition>
     </mc:Choice>
-    <mc:Fallback>
+    <mc:Fallback xmlns="">
       <p:transition spd="slow">
         <p:fade/>
       </p:transition>
@@ -14635,7 +14811,7 @@
 </p:sld>
 </file>
 
-<file path=ppt/slides/slide13.xml><?xml version="1.0" encoding="utf-8"?>
+<file path=ppt/slides/slide14.xml><?xml version="1.0" encoding="utf-8"?>
 <p:sld xmlns:a="http://schemas.openxmlformats.org/drawingml/2006/main" xmlns:r="http://schemas.openxmlformats.org/officeDocument/2006/relationships" xmlns:p="http://schemas.openxmlformats.org/presentationml/2006/main">
   <p:cSld>
     <p:spTree>
@@ -17311,8 +17487,8 @@
           </a:p>
         </p:txBody>
       </p:sp>
-      <mc:AlternateContent xmlns:mc="http://schemas.openxmlformats.org/markup-compatibility/2006">
-        <mc:Choice xmlns:a14="http://schemas.microsoft.com/office/drawing/2010/main" Requires="a14">
+      <mc:AlternateContent xmlns:mc="http://schemas.openxmlformats.org/markup-compatibility/2006" xmlns:a14="http://schemas.microsoft.com/office/drawing/2010/main">
+        <mc:Choice Requires="a14">
           <p:sp>
             <p:nvSpPr>
               <p:cNvPr id="76" name="TextBox 75">
@@ -17341,6 +17517,7 @@
               </a:bodyPr>
               <a:lstStyle/>
               <a:p>
+                <a:pPr/>
                 <a14:m>
                   <m:oMathPara xmlns:m="http://schemas.openxmlformats.org/officeDocument/2006/math">
                     <m:oMathParaPr>
@@ -17394,7 +17571,7 @@
             </p:txBody>
           </p:sp>
         </mc:Choice>
-        <mc:Fallback>
+        <mc:Fallback xmlns="">
           <p:sp>
             <p:nvSpPr>
               <p:cNvPr id="76" name="TextBox 75">
@@ -17439,8 +17616,8 @@
           </p:sp>
         </mc:Fallback>
       </mc:AlternateContent>
-      <mc:AlternateContent xmlns:mc="http://schemas.openxmlformats.org/markup-compatibility/2006">
-        <mc:Choice xmlns:a14="http://schemas.microsoft.com/office/drawing/2010/main" Requires="a14">
+      <mc:AlternateContent xmlns:mc="http://schemas.openxmlformats.org/markup-compatibility/2006" xmlns:a14="http://schemas.microsoft.com/office/drawing/2010/main">
+        <mc:Choice Requires="a14">
           <p:sp>
             <p:nvSpPr>
               <p:cNvPr id="77" name="TextBox 76">
@@ -17469,6 +17646,7 @@
               </a:bodyPr>
               <a:lstStyle/>
               <a:p>
+                <a:pPr/>
                 <a14:m>
                   <m:oMathPara xmlns:m="http://schemas.openxmlformats.org/officeDocument/2006/math">
                     <m:oMathParaPr>
@@ -17522,7 +17700,7 @@
             </p:txBody>
           </p:sp>
         </mc:Choice>
-        <mc:Fallback>
+        <mc:Fallback xmlns="">
           <p:sp>
             <p:nvSpPr>
               <p:cNvPr id="77" name="TextBox 76">
@@ -17577,13 +17755,13 @@
   <p:clrMapOvr>
     <a:masterClrMapping/>
   </p:clrMapOvr>
-  <mc:AlternateContent xmlns:mc="http://schemas.openxmlformats.org/markup-compatibility/2006">
-    <mc:Choice xmlns:p159="http://schemas.microsoft.com/office/powerpoint/2015/09/main" Requires="p159">
+  <mc:AlternateContent xmlns:mc="http://schemas.openxmlformats.org/markup-compatibility/2006" xmlns:p159="http://schemas.microsoft.com/office/powerpoint/2015/09/main">
+    <mc:Choice Requires="p159">
       <p:transition spd="slow">
         <p159:morph option="byWord"/>
       </p:transition>
     </mc:Choice>
-    <mc:Fallback>
+    <mc:Fallback xmlns="">
       <p:transition spd="slow">
         <p:fade/>
       </p:transition>
@@ -17711,7 +17889,7 @@
 </p:sld>
 </file>
 
-<file path=ppt/slides/slide14.xml><?xml version="1.0" encoding="utf-8"?>
+<file path=ppt/slides/slide15.xml><?xml version="1.0" encoding="utf-8"?>
 <p:sld xmlns:a="http://schemas.openxmlformats.org/drawingml/2006/main" xmlns:r="http://schemas.openxmlformats.org/officeDocument/2006/relationships" xmlns:p="http://schemas.openxmlformats.org/presentationml/2006/main">
   <p:cSld>
     <p:spTree>
@@ -20688,8 +20866,8 @@
           </a:p>
         </p:txBody>
       </p:sp>
-      <mc:AlternateContent xmlns:mc="http://schemas.openxmlformats.org/markup-compatibility/2006">
-        <mc:Choice xmlns:a14="http://schemas.microsoft.com/office/drawing/2010/main" Requires="a14">
+      <mc:AlternateContent xmlns:mc="http://schemas.openxmlformats.org/markup-compatibility/2006" xmlns:a14="http://schemas.microsoft.com/office/drawing/2010/main">
+        <mc:Choice Requires="a14">
           <p:sp>
             <p:nvSpPr>
               <p:cNvPr id="78" name="TextBox 77">
@@ -20718,6 +20896,7 @@
               </a:bodyPr>
               <a:lstStyle/>
               <a:p>
+                <a:pPr/>
                 <a14:m>
                   <m:oMathPara xmlns:m="http://schemas.openxmlformats.org/officeDocument/2006/math">
                     <m:oMathParaPr>
@@ -20771,7 +20950,7 @@
             </p:txBody>
           </p:sp>
         </mc:Choice>
-        <mc:Fallback>
+        <mc:Fallback xmlns="">
           <p:sp>
             <p:nvSpPr>
               <p:cNvPr id="78" name="TextBox 77">
@@ -20816,8 +20995,8 @@
           </p:sp>
         </mc:Fallback>
       </mc:AlternateContent>
-      <mc:AlternateContent xmlns:mc="http://schemas.openxmlformats.org/markup-compatibility/2006">
-        <mc:Choice xmlns:a14="http://schemas.microsoft.com/office/drawing/2010/main" Requires="a14">
+      <mc:AlternateContent xmlns:mc="http://schemas.openxmlformats.org/markup-compatibility/2006" xmlns:a14="http://schemas.microsoft.com/office/drawing/2010/main">
+        <mc:Choice Requires="a14">
           <p:sp>
             <p:nvSpPr>
               <p:cNvPr id="79" name="TextBox 78">
@@ -20846,6 +21025,7 @@
               </a:bodyPr>
               <a:lstStyle/>
               <a:p>
+                <a:pPr/>
                 <a14:m>
                   <m:oMathPara xmlns:m="http://schemas.openxmlformats.org/officeDocument/2006/math">
                     <m:oMathParaPr>
@@ -20899,7 +21079,7 @@
             </p:txBody>
           </p:sp>
         </mc:Choice>
-        <mc:Fallback>
+        <mc:Fallback xmlns="">
           <p:sp>
             <p:nvSpPr>
               <p:cNvPr id="79" name="TextBox 78">
@@ -20954,13 +21134,13 @@
   <p:clrMapOvr>
     <a:masterClrMapping/>
   </p:clrMapOvr>
-  <mc:AlternateContent xmlns:mc="http://schemas.openxmlformats.org/markup-compatibility/2006">
-    <mc:Choice xmlns:p159="http://schemas.microsoft.com/office/powerpoint/2015/09/main" Requires="p159">
+  <mc:AlternateContent xmlns:mc="http://schemas.openxmlformats.org/markup-compatibility/2006" xmlns:p159="http://schemas.microsoft.com/office/powerpoint/2015/09/main">
+    <mc:Choice Requires="p159">
       <p:transition spd="slow">
         <p159:morph option="byWord"/>
       </p:transition>
     </mc:Choice>
-    <mc:Fallback>
+    <mc:Fallback xmlns="">
       <p:transition spd="slow">
         <p:fade/>
       </p:transition>
@@ -21713,6 +21893,424 @@
       </p:grpSpPr>
       <p:sp>
         <p:nvSpPr>
+          <p:cNvPr id="34" name="Rectangle: Rounded Corners 33">
+            <a:extLst>
+              <a:ext uri="{FF2B5EF4-FFF2-40B4-BE49-F238E27FC236}">
+                <a16:creationId xmlns:a16="http://schemas.microsoft.com/office/drawing/2014/main" id="{A67A1DBE-7356-4F3F-85E6-405E318A56A4}"/>
+              </a:ext>
+            </a:extLst>
+          </p:cNvPr>
+          <p:cNvSpPr/>
+          <p:nvPr/>
+        </p:nvSpPr>
+        <p:spPr>
+          <a:xfrm>
+            <a:off x="-3063945" y="435769"/>
+            <a:ext cx="2428875" cy="5986462"/>
+          </a:xfrm>
+          <a:prstGeom prst="roundRect">
+            <a:avLst/>
+          </a:prstGeom>
+        </p:spPr>
+        <p:style>
+          <a:lnRef idx="1">
+            <a:schemeClr val="dk1"/>
+          </a:lnRef>
+          <a:fillRef idx="3">
+            <a:schemeClr val="dk1"/>
+          </a:fillRef>
+          <a:effectRef idx="2">
+            <a:schemeClr val="dk1"/>
+          </a:effectRef>
+          <a:fontRef idx="minor">
+            <a:schemeClr val="lt1"/>
+          </a:fontRef>
+        </p:style>
+        <p:txBody>
+          <a:bodyPr rtlCol="0" anchor="ctr"/>
+          <a:lstStyle/>
+          <a:p>
+            <a:pPr algn="ctr"/>
+            <a:endParaRPr lang="en-US"/>
+          </a:p>
+        </p:txBody>
+      </p:sp>
+      <p:sp>
+        <p:nvSpPr>
+          <p:cNvPr id="35" name="Arrow: Right 34">
+            <a:extLst>
+              <a:ext uri="{FF2B5EF4-FFF2-40B4-BE49-F238E27FC236}">
+                <a16:creationId xmlns:a16="http://schemas.microsoft.com/office/drawing/2014/main" id="{C667A18C-05C9-4E8F-B017-A6DE3E67A7D9}"/>
+              </a:ext>
+            </a:extLst>
+          </p:cNvPr>
+          <p:cNvSpPr/>
+          <p:nvPr/>
+        </p:nvSpPr>
+        <p:spPr>
+          <a:xfrm>
+            <a:off x="9306" y="3000375"/>
+            <a:ext cx="1730675" cy="857250"/>
+          </a:xfrm>
+          <a:prstGeom prst="rightArrow">
+            <a:avLst/>
+          </a:prstGeom>
+          <a:solidFill>
+            <a:schemeClr val="dk1"/>
+          </a:solidFill>
+          <a:ln>
+            <a:noFill/>
+          </a:ln>
+        </p:spPr>
+        <p:style>
+          <a:lnRef idx="0">
+            <a:scrgbClr r="0" g="0" b="0"/>
+          </a:lnRef>
+          <a:fillRef idx="0">
+            <a:scrgbClr r="0" g="0" b="0"/>
+          </a:fillRef>
+          <a:effectRef idx="0">
+            <a:scrgbClr r="0" g="0" b="0"/>
+          </a:effectRef>
+          <a:fontRef idx="minor">
+            <a:schemeClr val="lt1"/>
+          </a:fontRef>
+        </p:style>
+        <p:txBody>
+          <a:bodyPr rtlCol="0" anchor="ctr"/>
+          <a:lstStyle/>
+          <a:p>
+            <a:pPr algn="ctr"/>
+            <a:endParaRPr lang="en-US"/>
+          </a:p>
+        </p:txBody>
+      </p:sp>
+      <p:sp>
+        <p:nvSpPr>
+          <p:cNvPr id="36" name="Rectangle: Rounded Corners 35">
+            <a:extLst>
+              <a:ext uri="{FF2B5EF4-FFF2-40B4-BE49-F238E27FC236}">
+                <a16:creationId xmlns:a16="http://schemas.microsoft.com/office/drawing/2014/main" id="{D2FC6583-0CBC-4215-A0B9-19B345803BE8}"/>
+              </a:ext>
+            </a:extLst>
+          </p:cNvPr>
+          <p:cNvSpPr/>
+          <p:nvPr/>
+        </p:nvSpPr>
+        <p:spPr>
+          <a:xfrm>
+            <a:off x="2384360" y="435769"/>
+            <a:ext cx="2428875" cy="5986462"/>
+          </a:xfrm>
+          <a:prstGeom prst="roundRect">
+            <a:avLst/>
+          </a:prstGeom>
+        </p:spPr>
+        <p:style>
+          <a:lnRef idx="1">
+            <a:schemeClr val="dk1"/>
+          </a:lnRef>
+          <a:fillRef idx="3">
+            <a:schemeClr val="dk1"/>
+          </a:fillRef>
+          <a:effectRef idx="2">
+            <a:schemeClr val="dk1"/>
+          </a:effectRef>
+          <a:fontRef idx="minor">
+            <a:schemeClr val="lt1"/>
+          </a:fontRef>
+        </p:style>
+        <p:txBody>
+          <a:bodyPr rtlCol="0" anchor="ctr"/>
+          <a:lstStyle/>
+          <a:p>
+            <a:pPr algn="ctr"/>
+            <a:endParaRPr lang="en-US"/>
+          </a:p>
+        </p:txBody>
+      </p:sp>
+      <p:sp>
+        <p:nvSpPr>
+          <p:cNvPr id="37" name="Arrow: Right 36">
+            <a:extLst>
+              <a:ext uri="{FF2B5EF4-FFF2-40B4-BE49-F238E27FC236}">
+                <a16:creationId xmlns:a16="http://schemas.microsoft.com/office/drawing/2014/main" id="{C6544F15-0E4C-418D-ACC3-20612FB3B56C}"/>
+              </a:ext>
+            </a:extLst>
+          </p:cNvPr>
+          <p:cNvSpPr/>
+          <p:nvPr/>
+        </p:nvSpPr>
+        <p:spPr>
+          <a:xfrm>
+            <a:off x="5457614" y="3000375"/>
+            <a:ext cx="1730675" cy="857250"/>
+          </a:xfrm>
+          <a:prstGeom prst="rightArrow">
+            <a:avLst/>
+          </a:prstGeom>
+          <a:solidFill>
+            <a:schemeClr val="dk1"/>
+          </a:solidFill>
+          <a:ln>
+            <a:noFill/>
+          </a:ln>
+        </p:spPr>
+        <p:style>
+          <a:lnRef idx="0">
+            <a:scrgbClr r="0" g="0" b="0"/>
+          </a:lnRef>
+          <a:fillRef idx="0">
+            <a:scrgbClr r="0" g="0" b="0"/>
+          </a:fillRef>
+          <a:effectRef idx="0">
+            <a:scrgbClr r="0" g="0" b="0"/>
+          </a:effectRef>
+          <a:fontRef idx="minor">
+            <a:schemeClr val="lt1"/>
+          </a:fontRef>
+        </p:style>
+        <p:txBody>
+          <a:bodyPr rtlCol="0" anchor="ctr"/>
+          <a:lstStyle/>
+          <a:p>
+            <a:pPr algn="ctr"/>
+            <a:endParaRPr lang="en-US"/>
+          </a:p>
+        </p:txBody>
+      </p:sp>
+      <p:sp>
+        <p:nvSpPr>
+          <p:cNvPr id="38" name="Rectangle: Rounded Corners 37">
+            <a:extLst>
+              <a:ext uri="{FF2B5EF4-FFF2-40B4-BE49-F238E27FC236}">
+                <a16:creationId xmlns:a16="http://schemas.microsoft.com/office/drawing/2014/main" id="{2E16251E-C19A-4736-B829-1D91A90BF902}"/>
+              </a:ext>
+            </a:extLst>
+          </p:cNvPr>
+          <p:cNvSpPr/>
+          <p:nvPr/>
+        </p:nvSpPr>
+        <p:spPr>
+          <a:xfrm>
+            <a:off x="7832665" y="435769"/>
+            <a:ext cx="2428875" cy="5986462"/>
+          </a:xfrm>
+          <a:prstGeom prst="roundRect">
+            <a:avLst/>
+          </a:prstGeom>
+        </p:spPr>
+        <p:style>
+          <a:lnRef idx="1">
+            <a:schemeClr val="dk1"/>
+          </a:lnRef>
+          <a:fillRef idx="3">
+            <a:schemeClr val="dk1"/>
+          </a:fillRef>
+          <a:effectRef idx="2">
+            <a:schemeClr val="dk1"/>
+          </a:effectRef>
+          <a:fontRef idx="minor">
+            <a:schemeClr val="lt1"/>
+          </a:fontRef>
+        </p:style>
+        <p:txBody>
+          <a:bodyPr rtlCol="0" anchor="ctr"/>
+          <a:lstStyle/>
+          <a:p>
+            <a:pPr algn="ctr"/>
+            <a:endParaRPr lang="en-US"/>
+          </a:p>
+        </p:txBody>
+      </p:sp>
+      <p:sp>
+        <p:nvSpPr>
+          <p:cNvPr id="39" name="Arrow: Right 38">
+            <a:extLst>
+              <a:ext uri="{FF2B5EF4-FFF2-40B4-BE49-F238E27FC236}">
+                <a16:creationId xmlns:a16="http://schemas.microsoft.com/office/drawing/2014/main" id="{72872F2D-10E8-46FF-9C21-DA585FC1E5F3}"/>
+              </a:ext>
+            </a:extLst>
+          </p:cNvPr>
+          <p:cNvSpPr/>
+          <p:nvPr/>
+        </p:nvSpPr>
+        <p:spPr>
+          <a:xfrm>
+            <a:off x="10905916" y="3000375"/>
+            <a:ext cx="1730675" cy="857250"/>
+          </a:xfrm>
+          <a:prstGeom prst="rightArrow">
+            <a:avLst/>
+          </a:prstGeom>
+          <a:solidFill>
+            <a:schemeClr val="dk1"/>
+          </a:solidFill>
+          <a:ln>
+            <a:noFill/>
+          </a:ln>
+        </p:spPr>
+        <p:style>
+          <a:lnRef idx="0">
+            <a:scrgbClr r="0" g="0" b="0"/>
+          </a:lnRef>
+          <a:fillRef idx="0">
+            <a:scrgbClr r="0" g="0" b="0"/>
+          </a:fillRef>
+          <a:effectRef idx="0">
+            <a:scrgbClr r="0" g="0" b="0"/>
+          </a:effectRef>
+          <a:fontRef idx="minor">
+            <a:schemeClr val="lt1"/>
+          </a:fontRef>
+        </p:style>
+        <p:txBody>
+          <a:bodyPr rtlCol="0" anchor="ctr"/>
+          <a:lstStyle/>
+          <a:p>
+            <a:pPr algn="ctr"/>
+            <a:endParaRPr lang="en-US"/>
+          </a:p>
+        </p:txBody>
+      </p:sp>
+      <p:sp>
+        <p:nvSpPr>
+          <p:cNvPr id="40" name="Rectangle: Rounded Corners 39">
+            <a:extLst>
+              <a:ext uri="{FF2B5EF4-FFF2-40B4-BE49-F238E27FC236}">
+                <a16:creationId xmlns:a16="http://schemas.microsoft.com/office/drawing/2014/main" id="{9E25BA6C-9B8C-490F-9989-6FDFAEAE96A0}"/>
+              </a:ext>
+            </a:extLst>
+          </p:cNvPr>
+          <p:cNvSpPr/>
+          <p:nvPr/>
+        </p:nvSpPr>
+        <p:spPr>
+          <a:xfrm>
+            <a:off x="13280970" y="435769"/>
+            <a:ext cx="2428875" cy="5986462"/>
+          </a:xfrm>
+          <a:prstGeom prst="roundRect">
+            <a:avLst/>
+          </a:prstGeom>
+        </p:spPr>
+        <p:style>
+          <a:lnRef idx="1">
+            <a:schemeClr val="dk1"/>
+          </a:lnRef>
+          <a:fillRef idx="3">
+            <a:schemeClr val="dk1"/>
+          </a:fillRef>
+          <a:effectRef idx="2">
+            <a:schemeClr val="dk1"/>
+          </a:effectRef>
+          <a:fontRef idx="minor">
+            <a:schemeClr val="lt1"/>
+          </a:fontRef>
+        </p:style>
+        <p:txBody>
+          <a:bodyPr rtlCol="0" anchor="ctr"/>
+          <a:lstStyle/>
+          <a:p>
+            <a:pPr algn="ctr"/>
+            <a:endParaRPr lang="en-US"/>
+          </a:p>
+        </p:txBody>
+      </p:sp>
+      <p:sp>
+        <p:nvSpPr>
+          <p:cNvPr id="41" name="Arrow: Right 40">
+            <a:extLst>
+              <a:ext uri="{FF2B5EF4-FFF2-40B4-BE49-F238E27FC236}">
+                <a16:creationId xmlns:a16="http://schemas.microsoft.com/office/drawing/2014/main" id="{6BF61E38-0B11-4D66-A9B3-7BBE782D4C69}"/>
+              </a:ext>
+            </a:extLst>
+          </p:cNvPr>
+          <p:cNvSpPr/>
+          <p:nvPr/>
+        </p:nvSpPr>
+        <p:spPr>
+          <a:xfrm>
+            <a:off x="16354224" y="3000375"/>
+            <a:ext cx="1730675" cy="857250"/>
+          </a:xfrm>
+          <a:prstGeom prst="rightArrow">
+            <a:avLst/>
+          </a:prstGeom>
+          <a:solidFill>
+            <a:schemeClr val="dk1"/>
+          </a:solidFill>
+          <a:ln>
+            <a:noFill/>
+          </a:ln>
+        </p:spPr>
+        <p:style>
+          <a:lnRef idx="0">
+            <a:scrgbClr r="0" g="0" b="0"/>
+          </a:lnRef>
+          <a:fillRef idx="0">
+            <a:scrgbClr r="0" g="0" b="0"/>
+          </a:fillRef>
+          <a:effectRef idx="0">
+            <a:scrgbClr r="0" g="0" b="0"/>
+          </a:effectRef>
+          <a:fontRef idx="minor">
+            <a:schemeClr val="lt1"/>
+          </a:fontRef>
+        </p:style>
+        <p:txBody>
+          <a:bodyPr rtlCol="0" anchor="ctr"/>
+          <a:lstStyle/>
+          <a:p>
+            <a:pPr algn="ctr"/>
+            <a:endParaRPr lang="en-US"/>
+          </a:p>
+        </p:txBody>
+      </p:sp>
+    </p:spTree>
+    <p:extLst>
+      <p:ext uri="{BB962C8B-B14F-4D97-AF65-F5344CB8AC3E}">
+        <p14:creationId xmlns:p14="http://schemas.microsoft.com/office/powerpoint/2010/main" val="611769165"/>
+      </p:ext>
+    </p:extLst>
+  </p:cSld>
+  <p:clrMapOvr>
+    <a:masterClrMapping/>
+  </p:clrMapOvr>
+  <mc:AlternateContent xmlns:mc="http://schemas.openxmlformats.org/markup-compatibility/2006" xmlns:p159="http://schemas.microsoft.com/office/powerpoint/2015/09/main">
+    <mc:Choice Requires="p159">
+      <p:transition spd="slow">
+        <p159:morph option="byObject"/>
+      </p:transition>
+    </mc:Choice>
+    <mc:Fallback xmlns="">
+      <p:transition spd="slow">
+        <p:fade/>
+      </p:transition>
+    </mc:Fallback>
+  </mc:AlternateContent>
+</p:sld>
+</file>
+
+<file path=ppt/slides/slide3.xml><?xml version="1.0" encoding="utf-8"?>
+<p:sld xmlns:a="http://schemas.openxmlformats.org/drawingml/2006/main" xmlns:r="http://schemas.openxmlformats.org/officeDocument/2006/relationships" xmlns:p="http://schemas.openxmlformats.org/presentationml/2006/main">
+  <p:cSld>
+    <p:spTree>
+      <p:nvGrpSpPr>
+        <p:cNvPr id="1" name=""/>
+        <p:cNvGrpSpPr/>
+        <p:nvPr/>
+      </p:nvGrpSpPr>
+      <p:grpSpPr>
+        <a:xfrm>
+          <a:off x="0" y="0"/>
+          <a:ext cx="0" cy="0"/>
+          <a:chOff x="0" y="0"/>
+          <a:chExt cx="0" cy="0"/>
+        </a:xfrm>
+      </p:grpSpPr>
+      <p:sp>
+        <p:nvSpPr>
           <p:cNvPr id="9" name="TextBox 8">
             <a:extLst>
               <a:ext uri="{FF2B5EF4-FFF2-40B4-BE49-F238E27FC236}">
@@ -22794,13 +23392,13 @@
   <p:clrMapOvr>
     <a:masterClrMapping/>
   </p:clrMapOvr>
-  <mc:AlternateContent xmlns:mc="http://schemas.openxmlformats.org/markup-compatibility/2006">
-    <mc:Choice xmlns:p159="http://schemas.microsoft.com/office/powerpoint/2015/09/main" Requires="p159">
+  <mc:AlternateContent xmlns:mc="http://schemas.openxmlformats.org/markup-compatibility/2006" xmlns:p159="http://schemas.microsoft.com/office/powerpoint/2015/09/main">
+    <mc:Choice Requires="p159">
       <p:transition spd="slow">
         <p159:morph option="byObject"/>
       </p:transition>
     </mc:Choice>
-    <mc:Fallback>
+    <mc:Fallback xmlns="">
       <p:transition spd="slow">
         <p:fade/>
       </p:transition>
@@ -22809,7 +23407,7 @@
 </p:sld>
 </file>
 
-<file path=ppt/slides/slide3.xml><?xml version="1.0" encoding="utf-8"?>
+<file path=ppt/slides/slide4.xml><?xml version="1.0" encoding="utf-8"?>
 <p:sld xmlns:a="http://schemas.openxmlformats.org/drawingml/2006/main" xmlns:r="http://schemas.openxmlformats.org/officeDocument/2006/relationships" xmlns:p="http://schemas.openxmlformats.org/presentationml/2006/main">
   <p:cSld>
     <p:spTree>
@@ -24877,13 +25475,13 @@
   <p:clrMapOvr>
     <a:masterClrMapping/>
   </p:clrMapOvr>
-  <mc:AlternateContent xmlns:mc="http://schemas.openxmlformats.org/markup-compatibility/2006">
-    <mc:Choice xmlns:p159="http://schemas.microsoft.com/office/powerpoint/2015/09/main" Requires="p159">
+  <mc:AlternateContent xmlns:mc="http://schemas.openxmlformats.org/markup-compatibility/2006" xmlns:p159="http://schemas.microsoft.com/office/powerpoint/2015/09/main">
+    <mc:Choice Requires="p159">
       <p:transition spd="slow">
         <p159:morph option="byObject"/>
       </p:transition>
     </mc:Choice>
-    <mc:Fallback>
+    <mc:Fallback xmlns="">
       <p:transition spd="slow">
         <p:fade/>
       </p:transition>
@@ -24892,7 +25490,7 @@
 </p:sld>
 </file>
 
-<file path=ppt/slides/slide4.xml><?xml version="1.0" encoding="utf-8"?>
+<file path=ppt/slides/slide5.xml><?xml version="1.0" encoding="utf-8"?>
 <p:sld xmlns:a="http://schemas.openxmlformats.org/drawingml/2006/main" xmlns:r="http://schemas.openxmlformats.org/officeDocument/2006/relationships" xmlns:p="http://schemas.openxmlformats.org/presentationml/2006/main">
   <p:cSld>
     <p:spTree>
@@ -26892,13 +27490,13 @@
   <p:clrMapOvr>
     <a:masterClrMapping/>
   </p:clrMapOvr>
-  <mc:AlternateContent xmlns:mc="http://schemas.openxmlformats.org/markup-compatibility/2006">
-    <mc:Choice xmlns:p159="http://schemas.microsoft.com/office/powerpoint/2015/09/main" Requires="p159">
+  <mc:AlternateContent xmlns:mc="http://schemas.openxmlformats.org/markup-compatibility/2006" xmlns:p159="http://schemas.microsoft.com/office/powerpoint/2015/09/main">
+    <mc:Choice Requires="p159">
       <p:transition spd="slow">
         <p159:morph option="byObject"/>
       </p:transition>
     </mc:Choice>
-    <mc:Fallback>
+    <mc:Fallback xmlns="">
       <p:transition spd="slow">
         <p:fade/>
       </p:transition>
@@ -26907,7 +27505,7 @@
 </p:sld>
 </file>
 
-<file path=ppt/slides/slide5.xml><?xml version="1.0" encoding="utf-8"?>
+<file path=ppt/slides/slide6.xml><?xml version="1.0" encoding="utf-8"?>
 <p:sld xmlns:a="http://schemas.openxmlformats.org/drawingml/2006/main" xmlns:r="http://schemas.openxmlformats.org/officeDocument/2006/relationships" xmlns:p="http://schemas.openxmlformats.org/presentationml/2006/main">
   <p:cSld>
     <p:spTree>
@@ -28803,13 +29401,13 @@
   <p:clrMapOvr>
     <a:masterClrMapping/>
   </p:clrMapOvr>
-  <mc:AlternateContent xmlns:mc="http://schemas.openxmlformats.org/markup-compatibility/2006">
-    <mc:Choice xmlns:p159="http://schemas.microsoft.com/office/powerpoint/2015/09/main" Requires="p159">
+  <mc:AlternateContent xmlns:mc="http://schemas.openxmlformats.org/markup-compatibility/2006" xmlns:p159="http://schemas.microsoft.com/office/powerpoint/2015/09/main">
+    <mc:Choice Requires="p159">
       <p:transition spd="slow">
         <p159:morph option="byObject"/>
       </p:transition>
     </mc:Choice>
-    <mc:Fallback>
+    <mc:Fallback xmlns="">
       <p:transition spd="slow">
         <p:fade/>
       </p:transition>
@@ -28971,7 +29569,7 @@
 </p:sld>
 </file>
 
-<file path=ppt/slides/slide6.xml><?xml version="1.0" encoding="utf-8"?>
+<file path=ppt/slides/slide7.xml><?xml version="1.0" encoding="utf-8"?>
 <p:sld xmlns:a="http://schemas.openxmlformats.org/drawingml/2006/main" xmlns:r="http://schemas.openxmlformats.org/officeDocument/2006/relationships" xmlns:p="http://schemas.openxmlformats.org/presentationml/2006/main">
   <p:cSld>
     <p:spTree>
@@ -30071,1158 +30669,13 @@
   <p:clrMapOvr>
     <a:masterClrMapping/>
   </p:clrMapOvr>
-  <mc:AlternateContent xmlns:mc="http://schemas.openxmlformats.org/markup-compatibility/2006">
-    <mc:Choice xmlns:p159="http://schemas.microsoft.com/office/powerpoint/2015/09/main" Requires="p159">
+  <mc:AlternateContent xmlns:mc="http://schemas.openxmlformats.org/markup-compatibility/2006" xmlns:p159="http://schemas.microsoft.com/office/powerpoint/2015/09/main">
+    <mc:Choice Requires="p159">
       <p:transition spd="slow">
         <p159:morph option="byObject"/>
       </p:transition>
     </mc:Choice>
-    <mc:Fallback>
-      <p:transition spd="slow">
-        <p:fade/>
-      </p:transition>
-    </mc:Fallback>
-  </mc:AlternateContent>
-</p:sld>
-</file>
-
-<file path=ppt/slides/slide7.xml><?xml version="1.0" encoding="utf-8"?>
-<p:sld xmlns:a="http://schemas.openxmlformats.org/drawingml/2006/main" xmlns:r="http://schemas.openxmlformats.org/officeDocument/2006/relationships" xmlns:p="http://schemas.openxmlformats.org/presentationml/2006/main">
-  <p:cSld>
-    <p:spTree>
-      <p:nvGrpSpPr>
-        <p:cNvPr id="1" name=""/>
-        <p:cNvGrpSpPr/>
-        <p:nvPr/>
-      </p:nvGrpSpPr>
-      <p:grpSpPr>
-        <a:xfrm>
-          <a:off x="0" y="0"/>
-          <a:ext cx="0" cy="0"/>
-          <a:chOff x="0" y="0"/>
-          <a:chExt cx="0" cy="0"/>
-        </a:xfrm>
-      </p:grpSpPr>
-      <p:sp>
-        <p:nvSpPr>
-          <p:cNvPr id="9" name="TextBox 8">
-            <a:extLst>
-              <a:ext uri="{FF2B5EF4-FFF2-40B4-BE49-F238E27FC236}">
-                <a16:creationId xmlns:a16="http://schemas.microsoft.com/office/drawing/2014/main" id="{0EF344EE-0485-4B73-9989-0CD280174C79}"/>
-              </a:ext>
-            </a:extLst>
-          </p:cNvPr>
-          <p:cNvSpPr txBox="1"/>
-          <p:nvPr/>
-        </p:nvSpPr>
-        <p:spPr>
-          <a:xfrm>
-            <a:off x="4394200" y="158951"/>
-            <a:ext cx="3403600" cy="523220"/>
-          </a:xfrm>
-          <a:prstGeom prst="rect">
-            <a:avLst/>
-          </a:prstGeom>
-          <a:noFill/>
-        </p:spPr>
-        <p:txBody>
-          <a:bodyPr wrap="square" rtlCol="0">
-            <a:spAutoFit/>
-          </a:bodyPr>
-          <a:lstStyle/>
-          <a:p>
-            <a:pPr algn="ctr"/>
-            <a:r>
-              <a:rPr lang="en-US" sz="2800" b="1" dirty="0">
-                <a:latin typeface="LM Mono 12" panose="00000509000000000000" pitchFamily="49" charset="0"/>
-              </a:rPr>
-              <a:t>OVERVIEW</a:t>
-            </a:r>
-          </a:p>
-        </p:txBody>
-      </p:sp>
-      <p:sp>
-        <p:nvSpPr>
-          <p:cNvPr id="2" name="Rectangle 1">
-            <a:extLst>
-              <a:ext uri="{FF2B5EF4-FFF2-40B4-BE49-F238E27FC236}">
-                <a16:creationId xmlns:a16="http://schemas.microsoft.com/office/drawing/2014/main" id="{79AB6143-98F1-45FA-8BCD-C4C72170730D}"/>
-              </a:ext>
-            </a:extLst>
-          </p:cNvPr>
-          <p:cNvSpPr/>
-          <p:nvPr/>
-        </p:nvSpPr>
-        <p:spPr>
-          <a:xfrm>
-            <a:off x="366996" y="1627177"/>
-            <a:ext cx="3310042" cy="581041"/>
-          </a:xfrm>
-          <a:prstGeom prst="rect">
-            <a:avLst/>
-          </a:prstGeom>
-        </p:spPr>
-        <p:style>
-          <a:lnRef idx="2">
-            <a:schemeClr val="dk1"/>
-          </a:lnRef>
-          <a:fillRef idx="1">
-            <a:schemeClr val="lt1"/>
-          </a:fillRef>
-          <a:effectRef idx="0">
-            <a:schemeClr val="dk1"/>
-          </a:effectRef>
-          <a:fontRef idx="minor">
-            <a:schemeClr val="dk1"/>
-          </a:fontRef>
-        </p:style>
-        <p:txBody>
-          <a:bodyPr rtlCol="0" anchor="ctr"/>
-          <a:lstStyle/>
-          <a:p>
-            <a:pPr algn="ctr"/>
-            <a:r>
-              <a:rPr lang="en-US" dirty="0">
-                <a:latin typeface="LM Mono 12" panose="00000509000000000000" pitchFamily="49" charset="0"/>
-              </a:rPr>
-              <a:t>Segmentation Dataset</a:t>
-            </a:r>
-          </a:p>
-        </p:txBody>
-      </p:sp>
-      <p:sp>
-        <p:nvSpPr>
-          <p:cNvPr id="20" name="Rectangle 19">
-            <a:extLst>
-              <a:ext uri="{FF2B5EF4-FFF2-40B4-BE49-F238E27FC236}">
-                <a16:creationId xmlns:a16="http://schemas.microsoft.com/office/drawing/2014/main" id="{770ED514-87DC-4707-9D13-9D1D86D90237}"/>
-              </a:ext>
-            </a:extLst>
-          </p:cNvPr>
-          <p:cNvSpPr/>
-          <p:nvPr/>
-        </p:nvSpPr>
-        <p:spPr>
-          <a:xfrm>
-            <a:off x="4473575" y="6984989"/>
-            <a:ext cx="3310042" cy="581041"/>
-          </a:xfrm>
-          <a:prstGeom prst="rect">
-            <a:avLst/>
-          </a:prstGeom>
-        </p:spPr>
-        <p:style>
-          <a:lnRef idx="2">
-            <a:schemeClr val="dk1"/>
-          </a:lnRef>
-          <a:fillRef idx="1">
-            <a:schemeClr val="lt1"/>
-          </a:fillRef>
-          <a:effectRef idx="0">
-            <a:schemeClr val="dk1"/>
-          </a:effectRef>
-          <a:fontRef idx="minor">
-            <a:schemeClr val="dk1"/>
-          </a:fontRef>
-        </p:style>
-        <p:txBody>
-          <a:bodyPr rtlCol="0" anchor="ctr"/>
-          <a:lstStyle/>
-          <a:p>
-            <a:pPr algn="ctr"/>
-            <a:r>
-              <a:rPr lang="en-US" dirty="0" err="1">
-                <a:latin typeface="LM Mono 12" panose="00000509000000000000" pitchFamily="49" charset="0"/>
-              </a:rPr>
-              <a:t>Spambase</a:t>
-            </a:r>
-            <a:r>
-              <a:rPr lang="en-US" dirty="0">
-                <a:latin typeface="LM Mono 12" panose="00000509000000000000" pitchFamily="49" charset="0"/>
-              </a:rPr>
-              <a:t> Dataset</a:t>
-            </a:r>
-          </a:p>
-        </p:txBody>
-      </p:sp>
-      <p:sp>
-        <p:nvSpPr>
-          <p:cNvPr id="21" name="Rectangle 20">
-            <a:extLst>
-              <a:ext uri="{FF2B5EF4-FFF2-40B4-BE49-F238E27FC236}">
-                <a16:creationId xmlns:a16="http://schemas.microsoft.com/office/drawing/2014/main" id="{8C153717-F702-4A13-ADD5-B3CEAA9D07EB}"/>
-              </a:ext>
-            </a:extLst>
-          </p:cNvPr>
-          <p:cNvSpPr/>
-          <p:nvPr/>
-        </p:nvSpPr>
-        <p:spPr>
-          <a:xfrm>
-            <a:off x="8514962" y="6991345"/>
-            <a:ext cx="3310042" cy="581041"/>
-          </a:xfrm>
-          <a:prstGeom prst="rect">
-            <a:avLst/>
-          </a:prstGeom>
-        </p:spPr>
-        <p:style>
-          <a:lnRef idx="2">
-            <a:schemeClr val="dk1"/>
-          </a:lnRef>
-          <a:fillRef idx="1">
-            <a:schemeClr val="lt1"/>
-          </a:fillRef>
-          <a:effectRef idx="0">
-            <a:schemeClr val="dk1"/>
-          </a:effectRef>
-          <a:fontRef idx="minor">
-            <a:schemeClr val="dk1"/>
-          </a:fontRef>
-        </p:style>
-        <p:txBody>
-          <a:bodyPr rtlCol="0" anchor="ctr"/>
-          <a:lstStyle/>
-          <a:p>
-            <a:pPr algn="ctr"/>
-            <a:r>
-              <a:rPr lang="en-US" dirty="0">
-                <a:latin typeface="LM Mono 12" panose="00000509000000000000" pitchFamily="49" charset="0"/>
-              </a:rPr>
-              <a:t>Credit Card Fraud Dataset</a:t>
-            </a:r>
-          </a:p>
-        </p:txBody>
-      </p:sp>
-      <p:sp>
-        <p:nvSpPr>
-          <p:cNvPr id="10" name="Rectangle 9">
-            <a:extLst>
-              <a:ext uri="{FF2B5EF4-FFF2-40B4-BE49-F238E27FC236}">
-                <a16:creationId xmlns:a16="http://schemas.microsoft.com/office/drawing/2014/main" id="{AE5E9966-4F8F-4573-BC47-231F437D9D04}"/>
-              </a:ext>
-            </a:extLst>
-          </p:cNvPr>
-          <p:cNvSpPr/>
-          <p:nvPr/>
-        </p:nvSpPr>
-        <p:spPr>
-          <a:xfrm>
-            <a:off x="1957388" y="2208218"/>
-            <a:ext cx="1719650" cy="581041"/>
-          </a:xfrm>
-          <a:prstGeom prst="rect">
-            <a:avLst/>
-          </a:prstGeom>
-        </p:spPr>
-        <p:style>
-          <a:lnRef idx="2">
-            <a:schemeClr val="dk1"/>
-          </a:lnRef>
-          <a:fillRef idx="1">
-            <a:schemeClr val="lt1"/>
-          </a:fillRef>
-          <a:effectRef idx="0">
-            <a:schemeClr val="dk1"/>
-          </a:effectRef>
-          <a:fontRef idx="minor">
-            <a:schemeClr val="dk1"/>
-          </a:fontRef>
-        </p:style>
-        <p:txBody>
-          <a:bodyPr rtlCol="0" anchor="ctr"/>
-          <a:lstStyle/>
-          <a:p>
-            <a:pPr algn="ctr"/>
-            <a:r>
-              <a:rPr lang="en-US" dirty="0">
-                <a:latin typeface="LM Mono 12" panose="00000509000000000000" pitchFamily="49" charset="0"/>
-              </a:rPr>
-              <a:t>1 : 6</a:t>
-            </a:r>
-          </a:p>
-        </p:txBody>
-      </p:sp>
-      <p:sp>
-        <p:nvSpPr>
-          <p:cNvPr id="13" name="Rectangle 12">
-            <a:extLst>
-              <a:ext uri="{FF2B5EF4-FFF2-40B4-BE49-F238E27FC236}">
-                <a16:creationId xmlns:a16="http://schemas.microsoft.com/office/drawing/2014/main" id="{3D699371-7750-4CE0-918B-17B1E8D76033}"/>
-              </a:ext>
-            </a:extLst>
-          </p:cNvPr>
-          <p:cNvSpPr/>
-          <p:nvPr/>
-        </p:nvSpPr>
-        <p:spPr>
-          <a:xfrm>
-            <a:off x="366218" y="2208218"/>
-            <a:ext cx="1719650" cy="581041"/>
-          </a:xfrm>
-          <a:prstGeom prst="rect">
-            <a:avLst/>
-          </a:prstGeom>
-        </p:spPr>
-        <p:style>
-          <a:lnRef idx="2">
-            <a:schemeClr val="dk1"/>
-          </a:lnRef>
-          <a:fillRef idx="1">
-            <a:schemeClr val="lt1"/>
-          </a:fillRef>
-          <a:effectRef idx="0">
-            <a:schemeClr val="dk1"/>
-          </a:effectRef>
-          <a:fontRef idx="minor">
-            <a:schemeClr val="dk1"/>
-          </a:fontRef>
-        </p:style>
-        <p:txBody>
-          <a:bodyPr rtlCol="0" anchor="ctr"/>
-          <a:lstStyle/>
-          <a:p>
-            <a:pPr algn="ctr"/>
-            <a:r>
-              <a:rPr lang="en-US" dirty="0">
-                <a:latin typeface="LM Mono 12" panose="00000509000000000000" pitchFamily="49" charset="0"/>
-              </a:rPr>
-              <a:t>Imbalanced Ratio</a:t>
-            </a:r>
-          </a:p>
-        </p:txBody>
-      </p:sp>
-      <p:sp>
-        <p:nvSpPr>
-          <p:cNvPr id="14" name="Rectangle 13">
-            <a:extLst>
-              <a:ext uri="{FF2B5EF4-FFF2-40B4-BE49-F238E27FC236}">
-                <a16:creationId xmlns:a16="http://schemas.microsoft.com/office/drawing/2014/main" id="{900D3A53-BCA7-4EE1-9702-E4C5DF58775C}"/>
-              </a:ext>
-            </a:extLst>
-          </p:cNvPr>
-          <p:cNvSpPr/>
-          <p:nvPr/>
-        </p:nvSpPr>
-        <p:spPr>
-          <a:xfrm>
-            <a:off x="1957388" y="2789259"/>
-            <a:ext cx="1719650" cy="581041"/>
-          </a:xfrm>
-          <a:prstGeom prst="rect">
-            <a:avLst/>
-          </a:prstGeom>
-        </p:spPr>
-        <p:style>
-          <a:lnRef idx="2">
-            <a:schemeClr val="dk1"/>
-          </a:lnRef>
-          <a:fillRef idx="1">
-            <a:schemeClr val="lt1"/>
-          </a:fillRef>
-          <a:effectRef idx="0">
-            <a:schemeClr val="dk1"/>
-          </a:effectRef>
-          <a:fontRef idx="minor">
-            <a:schemeClr val="dk1"/>
-          </a:fontRef>
-        </p:style>
-        <p:txBody>
-          <a:bodyPr rtlCol="0" anchor="ctr"/>
-          <a:lstStyle/>
-          <a:p>
-            <a:pPr algn="ctr"/>
-            <a:r>
-              <a:rPr lang="en-US" dirty="0">
-                <a:latin typeface="LM Mono 12" panose="00000509000000000000" pitchFamily="49" charset="0"/>
-              </a:rPr>
-              <a:t>17</a:t>
-            </a:r>
-          </a:p>
-        </p:txBody>
-      </p:sp>
-      <p:sp>
-        <p:nvSpPr>
-          <p:cNvPr id="15" name="Rectangle 14">
-            <a:extLst>
-              <a:ext uri="{FF2B5EF4-FFF2-40B4-BE49-F238E27FC236}">
-                <a16:creationId xmlns:a16="http://schemas.microsoft.com/office/drawing/2014/main" id="{758516C2-8964-4C6A-8B48-A45B497B2437}"/>
-              </a:ext>
-            </a:extLst>
-          </p:cNvPr>
-          <p:cNvSpPr/>
-          <p:nvPr/>
-        </p:nvSpPr>
-        <p:spPr>
-          <a:xfrm>
-            <a:off x="366218" y="2789259"/>
-            <a:ext cx="1719650" cy="581041"/>
-          </a:xfrm>
-          <a:prstGeom prst="rect">
-            <a:avLst/>
-          </a:prstGeom>
-        </p:spPr>
-        <p:style>
-          <a:lnRef idx="2">
-            <a:schemeClr val="dk1"/>
-          </a:lnRef>
-          <a:fillRef idx="1">
-            <a:schemeClr val="lt1"/>
-          </a:fillRef>
-          <a:effectRef idx="0">
-            <a:schemeClr val="dk1"/>
-          </a:effectRef>
-          <a:fontRef idx="minor">
-            <a:schemeClr val="dk1"/>
-          </a:fontRef>
-        </p:style>
-        <p:txBody>
-          <a:bodyPr rtlCol="0" anchor="ctr"/>
-          <a:lstStyle/>
-          <a:p>
-            <a:pPr algn="ctr"/>
-            <a:r>
-              <a:rPr lang="en-US" dirty="0">
-                <a:latin typeface="LM Mono 12" panose="00000509000000000000" pitchFamily="49" charset="0"/>
-              </a:rPr>
-              <a:t>Attributes</a:t>
-            </a:r>
-          </a:p>
-        </p:txBody>
-      </p:sp>
-      <p:sp>
-        <p:nvSpPr>
-          <p:cNvPr id="16" name="Rectangle 15">
-            <a:extLst>
-              <a:ext uri="{FF2B5EF4-FFF2-40B4-BE49-F238E27FC236}">
-                <a16:creationId xmlns:a16="http://schemas.microsoft.com/office/drawing/2014/main" id="{96442730-C33B-45CC-8AE6-4AA010DF21F2}"/>
-              </a:ext>
-            </a:extLst>
-          </p:cNvPr>
-          <p:cNvSpPr/>
-          <p:nvPr/>
-        </p:nvSpPr>
-        <p:spPr>
-          <a:xfrm>
-            <a:off x="6064745" y="7566030"/>
-            <a:ext cx="1719650" cy="581041"/>
-          </a:xfrm>
-          <a:prstGeom prst="rect">
-            <a:avLst/>
-          </a:prstGeom>
-        </p:spPr>
-        <p:style>
-          <a:lnRef idx="2">
-            <a:schemeClr val="dk1"/>
-          </a:lnRef>
-          <a:fillRef idx="1">
-            <a:schemeClr val="lt1"/>
-          </a:fillRef>
-          <a:effectRef idx="0">
-            <a:schemeClr val="dk1"/>
-          </a:effectRef>
-          <a:fontRef idx="minor">
-            <a:schemeClr val="dk1"/>
-          </a:fontRef>
-        </p:style>
-        <p:txBody>
-          <a:bodyPr rtlCol="0" anchor="ctr"/>
-          <a:lstStyle/>
-          <a:p>
-            <a:pPr algn="ctr"/>
-            <a:r>
-              <a:rPr lang="en-US" dirty="0">
-                <a:latin typeface="LM Mono 12" panose="00000509000000000000" pitchFamily="49" charset="0"/>
-              </a:rPr>
-              <a:t>2 : 3</a:t>
-            </a:r>
-          </a:p>
-        </p:txBody>
-      </p:sp>
-      <p:sp>
-        <p:nvSpPr>
-          <p:cNvPr id="17" name="Rectangle 16">
-            <a:extLst>
-              <a:ext uri="{FF2B5EF4-FFF2-40B4-BE49-F238E27FC236}">
-                <a16:creationId xmlns:a16="http://schemas.microsoft.com/office/drawing/2014/main" id="{69EC96EC-F15E-4FBA-AEEF-E923F67A85A0}"/>
-              </a:ext>
-            </a:extLst>
-          </p:cNvPr>
-          <p:cNvSpPr/>
-          <p:nvPr/>
-        </p:nvSpPr>
-        <p:spPr>
-          <a:xfrm>
-            <a:off x="4473575" y="7566030"/>
-            <a:ext cx="1719650" cy="581041"/>
-          </a:xfrm>
-          <a:prstGeom prst="rect">
-            <a:avLst/>
-          </a:prstGeom>
-        </p:spPr>
-        <p:style>
-          <a:lnRef idx="2">
-            <a:schemeClr val="dk1"/>
-          </a:lnRef>
-          <a:fillRef idx="1">
-            <a:schemeClr val="lt1"/>
-          </a:fillRef>
-          <a:effectRef idx="0">
-            <a:schemeClr val="dk1"/>
-          </a:effectRef>
-          <a:fontRef idx="minor">
-            <a:schemeClr val="dk1"/>
-          </a:fontRef>
-        </p:style>
-        <p:txBody>
-          <a:bodyPr rtlCol="0" anchor="ctr"/>
-          <a:lstStyle/>
-          <a:p>
-            <a:pPr algn="ctr"/>
-            <a:r>
-              <a:rPr lang="en-US" dirty="0">
-                <a:latin typeface="LM Mono 12" panose="00000509000000000000" pitchFamily="49" charset="0"/>
-              </a:rPr>
-              <a:t>Imbalanced Ratio</a:t>
-            </a:r>
-          </a:p>
-        </p:txBody>
-      </p:sp>
-      <p:sp>
-        <p:nvSpPr>
-          <p:cNvPr id="18" name="Rectangle 17">
-            <a:extLst>
-              <a:ext uri="{FF2B5EF4-FFF2-40B4-BE49-F238E27FC236}">
-                <a16:creationId xmlns:a16="http://schemas.microsoft.com/office/drawing/2014/main" id="{C867BA28-A5AE-43F3-BEDC-89F5C6487EC5}"/>
-              </a:ext>
-            </a:extLst>
-          </p:cNvPr>
-          <p:cNvSpPr/>
-          <p:nvPr/>
-        </p:nvSpPr>
-        <p:spPr>
-          <a:xfrm>
-            <a:off x="6064745" y="8147071"/>
-            <a:ext cx="1719650" cy="581041"/>
-          </a:xfrm>
-          <a:prstGeom prst="rect">
-            <a:avLst/>
-          </a:prstGeom>
-        </p:spPr>
-        <p:style>
-          <a:lnRef idx="2">
-            <a:schemeClr val="dk1"/>
-          </a:lnRef>
-          <a:fillRef idx="1">
-            <a:schemeClr val="lt1"/>
-          </a:fillRef>
-          <a:effectRef idx="0">
-            <a:schemeClr val="dk1"/>
-          </a:effectRef>
-          <a:fontRef idx="minor">
-            <a:schemeClr val="dk1"/>
-          </a:fontRef>
-        </p:style>
-        <p:txBody>
-          <a:bodyPr rtlCol="0" anchor="ctr"/>
-          <a:lstStyle/>
-          <a:p>
-            <a:pPr algn="ctr"/>
-            <a:r>
-              <a:rPr lang="en-US" dirty="0">
-                <a:latin typeface="LM Mono 12" panose="00000509000000000000" pitchFamily="49" charset="0"/>
-              </a:rPr>
-              <a:t>58</a:t>
-            </a:r>
-          </a:p>
-        </p:txBody>
-      </p:sp>
-      <p:sp>
-        <p:nvSpPr>
-          <p:cNvPr id="19" name="Rectangle 18">
-            <a:extLst>
-              <a:ext uri="{FF2B5EF4-FFF2-40B4-BE49-F238E27FC236}">
-                <a16:creationId xmlns:a16="http://schemas.microsoft.com/office/drawing/2014/main" id="{B1A93A2B-8F04-4270-973E-3ECEFA96FC0E}"/>
-              </a:ext>
-            </a:extLst>
-          </p:cNvPr>
-          <p:cNvSpPr/>
-          <p:nvPr/>
-        </p:nvSpPr>
-        <p:spPr>
-          <a:xfrm>
-            <a:off x="4473575" y="8147071"/>
-            <a:ext cx="1719650" cy="581041"/>
-          </a:xfrm>
-          <a:prstGeom prst="rect">
-            <a:avLst/>
-          </a:prstGeom>
-        </p:spPr>
-        <p:style>
-          <a:lnRef idx="2">
-            <a:schemeClr val="dk1"/>
-          </a:lnRef>
-          <a:fillRef idx="1">
-            <a:schemeClr val="lt1"/>
-          </a:fillRef>
-          <a:effectRef idx="0">
-            <a:schemeClr val="dk1"/>
-          </a:effectRef>
-          <a:fontRef idx="minor">
-            <a:schemeClr val="dk1"/>
-          </a:fontRef>
-        </p:style>
-        <p:txBody>
-          <a:bodyPr rtlCol="0" anchor="ctr"/>
-          <a:lstStyle/>
-          <a:p>
-            <a:pPr algn="ctr"/>
-            <a:r>
-              <a:rPr lang="en-US" dirty="0">
-                <a:latin typeface="LM Mono 12" panose="00000509000000000000" pitchFamily="49" charset="0"/>
-              </a:rPr>
-              <a:t>Attributes</a:t>
-            </a:r>
-          </a:p>
-        </p:txBody>
-      </p:sp>
-      <p:sp>
-        <p:nvSpPr>
-          <p:cNvPr id="24" name="Rectangle 23">
-            <a:extLst>
-              <a:ext uri="{FF2B5EF4-FFF2-40B4-BE49-F238E27FC236}">
-                <a16:creationId xmlns:a16="http://schemas.microsoft.com/office/drawing/2014/main" id="{2AF5892B-F277-4004-90F5-CA20FFBD9148}"/>
-              </a:ext>
-            </a:extLst>
-          </p:cNvPr>
-          <p:cNvSpPr/>
-          <p:nvPr/>
-        </p:nvSpPr>
-        <p:spPr>
-          <a:xfrm>
-            <a:off x="10106132" y="7566030"/>
-            <a:ext cx="1719650" cy="581041"/>
-          </a:xfrm>
-          <a:prstGeom prst="rect">
-            <a:avLst/>
-          </a:prstGeom>
-        </p:spPr>
-        <p:style>
-          <a:lnRef idx="2">
-            <a:schemeClr val="dk1"/>
-          </a:lnRef>
-          <a:fillRef idx="1">
-            <a:schemeClr val="lt1"/>
-          </a:fillRef>
-          <a:effectRef idx="0">
-            <a:schemeClr val="dk1"/>
-          </a:effectRef>
-          <a:fontRef idx="minor">
-            <a:schemeClr val="dk1"/>
-          </a:fontRef>
-        </p:style>
-        <p:txBody>
-          <a:bodyPr rtlCol="0" anchor="ctr"/>
-          <a:lstStyle/>
-          <a:p>
-            <a:pPr algn="ctr"/>
-            <a:r>
-              <a:rPr lang="en-US" dirty="0">
-                <a:latin typeface="LM Mono 12" panose="00000509000000000000" pitchFamily="49" charset="0"/>
-              </a:rPr>
-              <a:t>1 : 57</a:t>
-            </a:r>
-          </a:p>
-        </p:txBody>
-      </p:sp>
-      <p:sp>
-        <p:nvSpPr>
-          <p:cNvPr id="25" name="Rectangle 24">
-            <a:extLst>
-              <a:ext uri="{FF2B5EF4-FFF2-40B4-BE49-F238E27FC236}">
-                <a16:creationId xmlns:a16="http://schemas.microsoft.com/office/drawing/2014/main" id="{79BD001C-A8C5-4A04-B555-F2D9B815787F}"/>
-              </a:ext>
-            </a:extLst>
-          </p:cNvPr>
-          <p:cNvSpPr/>
-          <p:nvPr/>
-        </p:nvSpPr>
-        <p:spPr>
-          <a:xfrm>
-            <a:off x="8514962" y="7566030"/>
-            <a:ext cx="1719650" cy="581041"/>
-          </a:xfrm>
-          <a:prstGeom prst="rect">
-            <a:avLst/>
-          </a:prstGeom>
-        </p:spPr>
-        <p:style>
-          <a:lnRef idx="2">
-            <a:schemeClr val="dk1"/>
-          </a:lnRef>
-          <a:fillRef idx="1">
-            <a:schemeClr val="lt1"/>
-          </a:fillRef>
-          <a:effectRef idx="0">
-            <a:schemeClr val="dk1"/>
-          </a:effectRef>
-          <a:fontRef idx="minor">
-            <a:schemeClr val="dk1"/>
-          </a:fontRef>
-        </p:style>
-        <p:txBody>
-          <a:bodyPr rtlCol="0" anchor="ctr"/>
-          <a:lstStyle/>
-          <a:p>
-            <a:pPr algn="ctr"/>
-            <a:r>
-              <a:rPr lang="en-US" dirty="0">
-                <a:latin typeface="LM Mono 12" panose="00000509000000000000" pitchFamily="49" charset="0"/>
-              </a:rPr>
-              <a:t>Imbalanced Ratio</a:t>
-            </a:r>
-          </a:p>
-        </p:txBody>
-      </p:sp>
-      <p:sp>
-        <p:nvSpPr>
-          <p:cNvPr id="26" name="Rectangle 25">
-            <a:extLst>
-              <a:ext uri="{FF2B5EF4-FFF2-40B4-BE49-F238E27FC236}">
-                <a16:creationId xmlns:a16="http://schemas.microsoft.com/office/drawing/2014/main" id="{8E094F18-4A17-4914-9B4B-ADD74BFE37ED}"/>
-              </a:ext>
-            </a:extLst>
-          </p:cNvPr>
-          <p:cNvSpPr/>
-          <p:nvPr/>
-        </p:nvSpPr>
-        <p:spPr>
-          <a:xfrm>
-            <a:off x="10106132" y="8147071"/>
-            <a:ext cx="1719650" cy="581041"/>
-          </a:xfrm>
-          <a:prstGeom prst="rect">
-            <a:avLst/>
-          </a:prstGeom>
-        </p:spPr>
-        <p:style>
-          <a:lnRef idx="2">
-            <a:schemeClr val="dk1"/>
-          </a:lnRef>
-          <a:fillRef idx="1">
-            <a:schemeClr val="lt1"/>
-          </a:fillRef>
-          <a:effectRef idx="0">
-            <a:schemeClr val="dk1"/>
-          </a:effectRef>
-          <a:fontRef idx="minor">
-            <a:schemeClr val="dk1"/>
-          </a:fontRef>
-        </p:style>
-        <p:txBody>
-          <a:bodyPr rtlCol="0" anchor="ctr"/>
-          <a:lstStyle/>
-          <a:p>
-            <a:pPr algn="ctr"/>
-            <a:r>
-              <a:rPr lang="en-US" dirty="0">
-                <a:latin typeface="LM Mono 12" panose="00000509000000000000" pitchFamily="49" charset="0"/>
-              </a:rPr>
-              <a:t>30</a:t>
-            </a:r>
-          </a:p>
-        </p:txBody>
-      </p:sp>
-      <p:sp>
-        <p:nvSpPr>
-          <p:cNvPr id="27" name="Rectangle 26">
-            <a:extLst>
-              <a:ext uri="{FF2B5EF4-FFF2-40B4-BE49-F238E27FC236}">
-                <a16:creationId xmlns:a16="http://schemas.microsoft.com/office/drawing/2014/main" id="{FB626AD1-7CE7-4111-B6EA-E399546D7D5F}"/>
-              </a:ext>
-            </a:extLst>
-          </p:cNvPr>
-          <p:cNvSpPr/>
-          <p:nvPr/>
-        </p:nvSpPr>
-        <p:spPr>
-          <a:xfrm>
-            <a:off x="8514962" y="8147071"/>
-            <a:ext cx="1719650" cy="581041"/>
-          </a:xfrm>
-          <a:prstGeom prst="rect">
-            <a:avLst/>
-          </a:prstGeom>
-        </p:spPr>
-        <p:style>
-          <a:lnRef idx="2">
-            <a:schemeClr val="dk1"/>
-          </a:lnRef>
-          <a:fillRef idx="1">
-            <a:schemeClr val="lt1"/>
-          </a:fillRef>
-          <a:effectRef idx="0">
-            <a:schemeClr val="dk1"/>
-          </a:effectRef>
-          <a:fontRef idx="minor">
-            <a:schemeClr val="dk1"/>
-          </a:fontRef>
-        </p:style>
-        <p:txBody>
-          <a:bodyPr rtlCol="0" anchor="ctr"/>
-          <a:lstStyle/>
-          <a:p>
-            <a:pPr algn="ctr"/>
-            <a:r>
-              <a:rPr lang="en-US" dirty="0">
-                <a:latin typeface="LM Mono 12" panose="00000509000000000000" pitchFamily="49" charset="0"/>
-              </a:rPr>
-              <a:t>Attributes</a:t>
-            </a:r>
-          </a:p>
-        </p:txBody>
-      </p:sp>
-      <p:sp>
-        <p:nvSpPr>
-          <p:cNvPr id="28" name="Rectangle 27">
-            <a:extLst>
-              <a:ext uri="{FF2B5EF4-FFF2-40B4-BE49-F238E27FC236}">
-                <a16:creationId xmlns:a16="http://schemas.microsoft.com/office/drawing/2014/main" id="{83CE547E-245A-469E-940E-3120AF8EA174}"/>
-              </a:ext>
-            </a:extLst>
-          </p:cNvPr>
-          <p:cNvSpPr/>
-          <p:nvPr/>
-        </p:nvSpPr>
-        <p:spPr>
-          <a:xfrm>
-            <a:off x="1957388" y="3370300"/>
-            <a:ext cx="1719650" cy="581041"/>
-          </a:xfrm>
-          <a:prstGeom prst="rect">
-            <a:avLst/>
-          </a:prstGeom>
-        </p:spPr>
-        <p:style>
-          <a:lnRef idx="2">
-            <a:schemeClr val="dk1"/>
-          </a:lnRef>
-          <a:fillRef idx="1">
-            <a:schemeClr val="lt1"/>
-          </a:fillRef>
-          <a:effectRef idx="0">
-            <a:schemeClr val="dk1"/>
-          </a:effectRef>
-          <a:fontRef idx="minor">
-            <a:schemeClr val="dk1"/>
-          </a:fontRef>
-        </p:style>
-        <p:txBody>
-          <a:bodyPr rtlCol="0" anchor="ctr"/>
-          <a:lstStyle/>
-          <a:p>
-            <a:pPr algn="ctr"/>
-            <a:r>
-              <a:rPr lang="en-US" dirty="0">
-                <a:latin typeface="LM Mono 12" panose="00000509000000000000" pitchFamily="49" charset="0"/>
-              </a:rPr>
-              <a:t>2308</a:t>
-            </a:r>
-          </a:p>
-        </p:txBody>
-      </p:sp>
-      <p:sp>
-        <p:nvSpPr>
-          <p:cNvPr id="29" name="Rectangle 28">
-            <a:extLst>
-              <a:ext uri="{FF2B5EF4-FFF2-40B4-BE49-F238E27FC236}">
-                <a16:creationId xmlns:a16="http://schemas.microsoft.com/office/drawing/2014/main" id="{D0EA8A9D-69A1-4C55-9FF9-1FEDE8B17D16}"/>
-              </a:ext>
-            </a:extLst>
-          </p:cNvPr>
-          <p:cNvSpPr/>
-          <p:nvPr/>
-        </p:nvSpPr>
-        <p:spPr>
-          <a:xfrm>
-            <a:off x="366218" y="3370300"/>
-            <a:ext cx="1719650" cy="581041"/>
-          </a:xfrm>
-          <a:prstGeom prst="rect">
-            <a:avLst/>
-          </a:prstGeom>
-        </p:spPr>
-        <p:style>
-          <a:lnRef idx="2">
-            <a:schemeClr val="dk1"/>
-          </a:lnRef>
-          <a:fillRef idx="1">
-            <a:schemeClr val="lt1"/>
-          </a:fillRef>
-          <a:effectRef idx="0">
-            <a:schemeClr val="dk1"/>
-          </a:effectRef>
-          <a:fontRef idx="minor">
-            <a:schemeClr val="dk1"/>
-          </a:fontRef>
-        </p:style>
-        <p:txBody>
-          <a:bodyPr rtlCol="0" anchor="ctr"/>
-          <a:lstStyle/>
-          <a:p>
-            <a:pPr algn="ctr"/>
-            <a:r>
-              <a:rPr lang="en-US" dirty="0">
-                <a:latin typeface="LM Mono 12" panose="00000509000000000000" pitchFamily="49" charset="0"/>
-              </a:rPr>
-              <a:t>Observations</a:t>
-            </a:r>
-          </a:p>
-        </p:txBody>
-      </p:sp>
-      <p:sp>
-        <p:nvSpPr>
-          <p:cNvPr id="30" name="Rectangle 29">
-            <a:extLst>
-              <a:ext uri="{FF2B5EF4-FFF2-40B4-BE49-F238E27FC236}">
-                <a16:creationId xmlns:a16="http://schemas.microsoft.com/office/drawing/2014/main" id="{21F5CA2E-E424-45EC-B537-3D3387A0A21C}"/>
-              </a:ext>
-            </a:extLst>
-          </p:cNvPr>
-          <p:cNvSpPr/>
-          <p:nvPr/>
-        </p:nvSpPr>
-        <p:spPr>
-          <a:xfrm>
-            <a:off x="6063967" y="8728112"/>
-            <a:ext cx="1719650" cy="581041"/>
-          </a:xfrm>
-          <a:prstGeom prst="rect">
-            <a:avLst/>
-          </a:prstGeom>
-        </p:spPr>
-        <p:style>
-          <a:lnRef idx="2">
-            <a:schemeClr val="dk1"/>
-          </a:lnRef>
-          <a:fillRef idx="1">
-            <a:schemeClr val="lt1"/>
-          </a:fillRef>
-          <a:effectRef idx="0">
-            <a:schemeClr val="dk1"/>
-          </a:effectRef>
-          <a:fontRef idx="minor">
-            <a:schemeClr val="dk1"/>
-          </a:fontRef>
-        </p:style>
-        <p:txBody>
-          <a:bodyPr rtlCol="0" anchor="ctr"/>
-          <a:lstStyle/>
-          <a:p>
-            <a:pPr algn="ctr"/>
-            <a:r>
-              <a:rPr lang="en-US" dirty="0">
-                <a:latin typeface="LM Mono 12" panose="00000509000000000000" pitchFamily="49" charset="0"/>
-              </a:rPr>
-              <a:t>4601</a:t>
-            </a:r>
-          </a:p>
-        </p:txBody>
-      </p:sp>
-      <p:sp>
-        <p:nvSpPr>
-          <p:cNvPr id="31" name="Rectangle 30">
-            <a:extLst>
-              <a:ext uri="{FF2B5EF4-FFF2-40B4-BE49-F238E27FC236}">
-                <a16:creationId xmlns:a16="http://schemas.microsoft.com/office/drawing/2014/main" id="{DE4BBB5A-FD16-4359-A53B-A901CA49C1FE}"/>
-              </a:ext>
-            </a:extLst>
-          </p:cNvPr>
-          <p:cNvSpPr/>
-          <p:nvPr/>
-        </p:nvSpPr>
-        <p:spPr>
-          <a:xfrm>
-            <a:off x="4472797" y="8728112"/>
-            <a:ext cx="1719650" cy="581041"/>
-          </a:xfrm>
-          <a:prstGeom prst="rect">
-            <a:avLst/>
-          </a:prstGeom>
-        </p:spPr>
-        <p:style>
-          <a:lnRef idx="2">
-            <a:schemeClr val="dk1"/>
-          </a:lnRef>
-          <a:fillRef idx="1">
-            <a:schemeClr val="lt1"/>
-          </a:fillRef>
-          <a:effectRef idx="0">
-            <a:schemeClr val="dk1"/>
-          </a:effectRef>
-          <a:fontRef idx="minor">
-            <a:schemeClr val="dk1"/>
-          </a:fontRef>
-        </p:style>
-        <p:txBody>
-          <a:bodyPr rtlCol="0" anchor="ctr"/>
-          <a:lstStyle/>
-          <a:p>
-            <a:pPr algn="ctr"/>
-            <a:r>
-              <a:rPr lang="en-US" dirty="0">
-                <a:latin typeface="LM Mono 12" panose="00000509000000000000" pitchFamily="49" charset="0"/>
-              </a:rPr>
-              <a:t>Observations</a:t>
-            </a:r>
-          </a:p>
-        </p:txBody>
-      </p:sp>
-      <p:sp>
-        <p:nvSpPr>
-          <p:cNvPr id="32" name="Rectangle 31">
-            <a:extLst>
-              <a:ext uri="{FF2B5EF4-FFF2-40B4-BE49-F238E27FC236}">
-                <a16:creationId xmlns:a16="http://schemas.microsoft.com/office/drawing/2014/main" id="{05EBB661-5107-4369-9879-7761B268B271}"/>
-              </a:ext>
-            </a:extLst>
-          </p:cNvPr>
-          <p:cNvSpPr/>
-          <p:nvPr/>
-        </p:nvSpPr>
-        <p:spPr>
-          <a:xfrm>
-            <a:off x="10105354" y="8728112"/>
-            <a:ext cx="1719650" cy="581041"/>
-          </a:xfrm>
-          <a:prstGeom prst="rect">
-            <a:avLst/>
-          </a:prstGeom>
-        </p:spPr>
-        <p:style>
-          <a:lnRef idx="2">
-            <a:schemeClr val="dk1"/>
-          </a:lnRef>
-          <a:fillRef idx="1">
-            <a:schemeClr val="lt1"/>
-          </a:fillRef>
-          <a:effectRef idx="0">
-            <a:schemeClr val="dk1"/>
-          </a:effectRef>
-          <a:fontRef idx="minor">
-            <a:schemeClr val="dk1"/>
-          </a:fontRef>
-        </p:style>
-        <p:txBody>
-          <a:bodyPr rtlCol="0" anchor="ctr"/>
-          <a:lstStyle/>
-          <a:p>
-            <a:pPr algn="ctr"/>
-            <a:r>
-              <a:rPr lang="en-US" dirty="0">
-                <a:latin typeface="LM Mono 12" panose="00000509000000000000" pitchFamily="49" charset="0"/>
-              </a:rPr>
-              <a:t>284807</a:t>
-            </a:r>
-          </a:p>
-        </p:txBody>
-      </p:sp>
-      <p:sp>
-        <p:nvSpPr>
-          <p:cNvPr id="33" name="Rectangle 32">
-            <a:extLst>
-              <a:ext uri="{FF2B5EF4-FFF2-40B4-BE49-F238E27FC236}">
-                <a16:creationId xmlns:a16="http://schemas.microsoft.com/office/drawing/2014/main" id="{9337227F-BDEA-4D02-999C-0B71C42D7BFA}"/>
-              </a:ext>
-            </a:extLst>
-          </p:cNvPr>
-          <p:cNvSpPr/>
-          <p:nvPr/>
-        </p:nvSpPr>
-        <p:spPr>
-          <a:xfrm>
-            <a:off x="8514184" y="8728112"/>
-            <a:ext cx="1719650" cy="581041"/>
-          </a:xfrm>
-          <a:prstGeom prst="rect">
-            <a:avLst/>
-          </a:prstGeom>
-        </p:spPr>
-        <p:style>
-          <a:lnRef idx="2">
-            <a:schemeClr val="dk1"/>
-          </a:lnRef>
-          <a:fillRef idx="1">
-            <a:schemeClr val="lt1"/>
-          </a:fillRef>
-          <a:effectRef idx="0">
-            <a:schemeClr val="dk1"/>
-          </a:effectRef>
-          <a:fontRef idx="minor">
-            <a:schemeClr val="dk1"/>
-          </a:fontRef>
-        </p:style>
-        <p:txBody>
-          <a:bodyPr rtlCol="0" anchor="ctr"/>
-          <a:lstStyle/>
-          <a:p>
-            <a:pPr algn="ctr"/>
-            <a:r>
-              <a:rPr lang="en-US" dirty="0">
-                <a:latin typeface="LM Mono 12" panose="00000509000000000000" pitchFamily="49" charset="0"/>
-              </a:rPr>
-              <a:t>Observations</a:t>
-            </a:r>
-          </a:p>
-        </p:txBody>
-      </p:sp>
-      <p:pic>
-        <p:nvPicPr>
-          <p:cNvPr id="4" name="Picture 3">
-            <a:extLst>
-              <a:ext uri="{FF2B5EF4-FFF2-40B4-BE49-F238E27FC236}">
-                <a16:creationId xmlns:a16="http://schemas.microsoft.com/office/drawing/2014/main" id="{1F4B1F83-B62F-4118-B783-9C2A264BB2D7}"/>
-              </a:ext>
-            </a:extLst>
-          </p:cNvPr>
-          <p:cNvPicPr>
-            <a:picLocks noChangeAspect="1"/>
-          </p:cNvPicPr>
-          <p:nvPr/>
-        </p:nvPicPr>
-        <p:blipFill>
-          <a:blip r:embed="rId2"/>
-          <a:stretch>
-            <a:fillRect/>
-          </a:stretch>
-        </p:blipFill>
-        <p:spPr>
-          <a:xfrm>
-            <a:off x="177367" y="1080918"/>
-            <a:ext cx="11344162" cy="5159804"/>
-          </a:xfrm>
-          <a:prstGeom prst="rect">
-            <a:avLst/>
-          </a:prstGeom>
-        </p:spPr>
-      </p:pic>
-    </p:spTree>
-    <p:extLst>
-      <p:ext uri="{BB962C8B-B14F-4D97-AF65-F5344CB8AC3E}">
-        <p14:creationId xmlns:p14="http://schemas.microsoft.com/office/powerpoint/2010/main" val="1035346630"/>
-      </p:ext>
-    </p:extLst>
-  </p:cSld>
-  <p:clrMapOvr>
-    <a:masterClrMapping/>
-  </p:clrMapOvr>
-  <mc:AlternateContent xmlns:mc="http://schemas.openxmlformats.org/markup-compatibility/2006">
-    <mc:Choice xmlns:p159="http://schemas.microsoft.com/office/powerpoint/2015/09/main" Requires="p159">
-      <p:transition spd="slow">
-        <p159:morph option="byObject"/>
-      </p:transition>
-    </mc:Choice>
-    <mc:Fallback>
+    <mc:Fallback xmlns="">
       <p:transition spd="slow">
         <p:fade/>
       </p:transition>
@@ -32323,10 +31776,10 @@
       </p:sp>
       <p:pic>
         <p:nvPicPr>
-          <p:cNvPr id="3" name="Picture 2">
-            <a:extLst>
-              <a:ext uri="{FF2B5EF4-FFF2-40B4-BE49-F238E27FC236}">
-                <a16:creationId xmlns:a16="http://schemas.microsoft.com/office/drawing/2014/main" id="{EDD38FCC-CBD6-4FBB-B382-33C7A9085AE2}"/>
+          <p:cNvPr id="4" name="Picture 3">
+            <a:extLst>
+              <a:ext uri="{FF2B5EF4-FFF2-40B4-BE49-F238E27FC236}">
+                <a16:creationId xmlns:a16="http://schemas.microsoft.com/office/drawing/2014/main" id="{1F4B1F83-B62F-4118-B783-9C2A264BB2D7}"/>
               </a:ext>
             </a:extLst>
           </p:cNvPr>
@@ -32343,8 +31796,8 @@
         </p:blipFill>
         <p:spPr>
           <a:xfrm>
-            <a:off x="175046" y="1079529"/>
-            <a:ext cx="11440692" cy="5172326"/>
+            <a:off x="177367" y="1080918"/>
+            <a:ext cx="11344162" cy="5159804"/>
           </a:xfrm>
           <a:prstGeom prst="rect">
             <a:avLst/>
@@ -32354,20 +31807,20 @@
     </p:spTree>
     <p:extLst>
       <p:ext uri="{BB962C8B-B14F-4D97-AF65-F5344CB8AC3E}">
-        <p14:creationId xmlns:p14="http://schemas.microsoft.com/office/powerpoint/2010/main" val="3245856842"/>
+        <p14:creationId xmlns:p14="http://schemas.microsoft.com/office/powerpoint/2010/main" val="1035346630"/>
       </p:ext>
     </p:extLst>
   </p:cSld>
   <p:clrMapOvr>
     <a:masterClrMapping/>
   </p:clrMapOvr>
-  <mc:AlternateContent xmlns:mc="http://schemas.openxmlformats.org/markup-compatibility/2006">
-    <mc:Choice xmlns:p159="http://schemas.microsoft.com/office/powerpoint/2015/09/main" Requires="p159">
+  <mc:AlternateContent xmlns:mc="http://schemas.openxmlformats.org/markup-compatibility/2006" xmlns:p159="http://schemas.microsoft.com/office/powerpoint/2015/09/main">
+    <mc:Choice Requires="p159">
       <p:transition spd="slow">
         <p159:morph option="byObject"/>
       </p:transition>
     </mc:Choice>
-    <mc:Fallback>
+    <mc:Fallback xmlns="">
       <p:transition spd="slow">
         <p:fade/>
       </p:transition>
@@ -32395,10 +31848,10 @@
       </p:grpSpPr>
       <p:sp>
         <p:nvSpPr>
-          <p:cNvPr id="4" name="TextBox 3">
-            <a:extLst>
-              <a:ext uri="{FF2B5EF4-FFF2-40B4-BE49-F238E27FC236}">
-                <a16:creationId xmlns:a16="http://schemas.microsoft.com/office/drawing/2014/main" id="{D89DC508-41DF-4A62-8727-927F09B70514}"/>
+          <p:cNvPr id="9" name="TextBox 8">
+            <a:extLst>
+              <a:ext uri="{FF2B5EF4-FFF2-40B4-BE49-F238E27FC236}">
+                <a16:creationId xmlns:a16="http://schemas.microsoft.com/office/drawing/2014/main" id="{0EF344EE-0485-4B73-9989-0CD280174C79}"/>
               </a:ext>
             </a:extLst>
           </p:cNvPr>
@@ -32407,8 +31860,8 @@
         </p:nvSpPr>
         <p:spPr>
           <a:xfrm>
-            <a:off x="1173561" y="2957512"/>
-            <a:ext cx="4423520" cy="646331"/>
+            <a:off x="4394200" y="158951"/>
+            <a:ext cx="3403600" cy="523220"/>
           </a:xfrm>
           <a:prstGeom prst="rect">
             <a:avLst/>
@@ -32416,98 +31869,54 @@
           <a:noFill/>
         </p:spPr>
         <p:txBody>
-          <a:bodyPr wrap="none" rtlCol="0">
+          <a:bodyPr wrap="square" rtlCol="0">
             <a:spAutoFit/>
           </a:bodyPr>
           <a:lstStyle/>
           <a:p>
             <a:pPr algn="ctr"/>
             <a:r>
-              <a:rPr lang="en-US" sz="3600" dirty="0"/>
-              <a:t>Documents and Code: </a:t>
+              <a:rPr lang="en-US" sz="2800" b="1" dirty="0">
+                <a:latin typeface="LM Mono 12" panose="00000509000000000000" pitchFamily="49" charset="0"/>
+              </a:rPr>
+              <a:t>OVERVIEW</a:t>
             </a:r>
           </a:p>
         </p:txBody>
       </p:sp>
       <p:sp>
         <p:nvSpPr>
-          <p:cNvPr id="5" name="TextBox 4">
-            <a:extLst>
-              <a:ext uri="{FF2B5EF4-FFF2-40B4-BE49-F238E27FC236}">
-                <a16:creationId xmlns:a16="http://schemas.microsoft.com/office/drawing/2014/main" id="{BD8EB731-852E-495B-A4D1-395E95510169}"/>
-              </a:ext>
-            </a:extLst>
-          </p:cNvPr>
-          <p:cNvSpPr txBox="1"/>
+          <p:cNvPr id="2" name="Rectangle 1">
+            <a:extLst>
+              <a:ext uri="{FF2B5EF4-FFF2-40B4-BE49-F238E27FC236}">
+                <a16:creationId xmlns:a16="http://schemas.microsoft.com/office/drawing/2014/main" id="{79AB6143-98F1-45FA-8BCD-C4C72170730D}"/>
+              </a:ext>
+            </a:extLst>
+          </p:cNvPr>
+          <p:cNvSpPr/>
           <p:nvPr/>
         </p:nvSpPr>
         <p:spPr>
           <a:xfrm>
-            <a:off x="5481638" y="2957511"/>
-            <a:ext cx="5886611" cy="646331"/>
+            <a:off x="366996" y="1627177"/>
+            <a:ext cx="3310042" cy="581041"/>
           </a:xfrm>
           <a:prstGeom prst="rect">
             <a:avLst/>
           </a:prstGeom>
-          <a:noFill/>
-        </p:spPr>
-        <p:txBody>
-          <a:bodyPr wrap="none" rtlCol="0">
-            <a:spAutoFit/>
-          </a:bodyPr>
-          <a:lstStyle/>
-          <a:p>
-            <a:r>
-              <a:rPr lang="en-US" sz="3600" dirty="0"/>
-              <a:t>http://github.com/zkgz/skripsi</a:t>
-            </a:r>
-          </a:p>
-        </p:txBody>
-      </p:sp>
-      <p:sp>
-        <p:nvSpPr>
-          <p:cNvPr id="6" name="Rectangle 5">
-            <a:extLst>
-              <a:ext uri="{FF2B5EF4-FFF2-40B4-BE49-F238E27FC236}">
-                <a16:creationId xmlns:a16="http://schemas.microsoft.com/office/drawing/2014/main" id="{7D3820EF-673B-4667-84BB-FD0847DED45E}"/>
-              </a:ext>
-            </a:extLst>
-          </p:cNvPr>
-          <p:cNvSpPr/>
-          <p:nvPr/>
-        </p:nvSpPr>
-        <p:spPr>
-          <a:xfrm>
-            <a:off x="5481638" y="2957511"/>
-            <a:ext cx="5886611" cy="646331"/>
-          </a:xfrm>
-          <a:prstGeom prst="rect">
-            <a:avLst/>
-          </a:prstGeom>
-          <a:noFill/>
-          <a:ln>
-            <a:solidFill>
-              <a:schemeClr val="tx1">
-                <a:lumMod val="95000"/>
-                <a:lumOff val="5000"/>
-              </a:schemeClr>
-            </a:solidFill>
-          </a:ln>
         </p:spPr>
         <p:style>
           <a:lnRef idx="2">
-            <a:schemeClr val="accent1">
-              <a:shade val="50000"/>
-            </a:schemeClr>
+            <a:schemeClr val="dk1"/>
           </a:lnRef>
           <a:fillRef idx="1">
-            <a:schemeClr val="accent1"/>
+            <a:schemeClr val="lt1"/>
           </a:fillRef>
           <a:effectRef idx="0">
-            <a:schemeClr val="accent1"/>
+            <a:schemeClr val="dk1"/>
           </a:effectRef>
           <a:fontRef idx="minor">
-            <a:schemeClr val="lt1"/>
+            <a:schemeClr val="dk1"/>
           </a:fontRef>
         </p:style>
         <p:txBody>
@@ -32515,20 +31924,1053 @@
           <a:lstStyle/>
           <a:p>
             <a:pPr algn="ctr"/>
-            <a:endParaRPr lang="en-US"/>
+            <a:r>
+              <a:rPr lang="en-US" dirty="0">
+                <a:latin typeface="LM Mono 12" panose="00000509000000000000" pitchFamily="49" charset="0"/>
+              </a:rPr>
+              <a:t>Segmentation Dataset</a:t>
+            </a:r>
           </a:p>
         </p:txBody>
       </p:sp>
+      <p:sp>
+        <p:nvSpPr>
+          <p:cNvPr id="20" name="Rectangle 19">
+            <a:extLst>
+              <a:ext uri="{FF2B5EF4-FFF2-40B4-BE49-F238E27FC236}">
+                <a16:creationId xmlns:a16="http://schemas.microsoft.com/office/drawing/2014/main" id="{770ED514-87DC-4707-9D13-9D1D86D90237}"/>
+              </a:ext>
+            </a:extLst>
+          </p:cNvPr>
+          <p:cNvSpPr/>
+          <p:nvPr/>
+        </p:nvSpPr>
+        <p:spPr>
+          <a:xfrm>
+            <a:off x="4473575" y="6984989"/>
+            <a:ext cx="3310042" cy="581041"/>
+          </a:xfrm>
+          <a:prstGeom prst="rect">
+            <a:avLst/>
+          </a:prstGeom>
+        </p:spPr>
+        <p:style>
+          <a:lnRef idx="2">
+            <a:schemeClr val="dk1"/>
+          </a:lnRef>
+          <a:fillRef idx="1">
+            <a:schemeClr val="lt1"/>
+          </a:fillRef>
+          <a:effectRef idx="0">
+            <a:schemeClr val="dk1"/>
+          </a:effectRef>
+          <a:fontRef idx="minor">
+            <a:schemeClr val="dk1"/>
+          </a:fontRef>
+        </p:style>
+        <p:txBody>
+          <a:bodyPr rtlCol="0" anchor="ctr"/>
+          <a:lstStyle/>
+          <a:p>
+            <a:pPr algn="ctr"/>
+            <a:r>
+              <a:rPr lang="en-US" dirty="0" err="1">
+                <a:latin typeface="LM Mono 12" panose="00000509000000000000" pitchFamily="49" charset="0"/>
+              </a:rPr>
+              <a:t>Spambase</a:t>
+            </a:r>
+            <a:r>
+              <a:rPr lang="en-US" dirty="0">
+                <a:latin typeface="LM Mono 12" panose="00000509000000000000" pitchFamily="49" charset="0"/>
+              </a:rPr>
+              <a:t> Dataset</a:t>
+            </a:r>
+          </a:p>
+        </p:txBody>
+      </p:sp>
+      <p:sp>
+        <p:nvSpPr>
+          <p:cNvPr id="21" name="Rectangle 20">
+            <a:extLst>
+              <a:ext uri="{FF2B5EF4-FFF2-40B4-BE49-F238E27FC236}">
+                <a16:creationId xmlns:a16="http://schemas.microsoft.com/office/drawing/2014/main" id="{8C153717-F702-4A13-ADD5-B3CEAA9D07EB}"/>
+              </a:ext>
+            </a:extLst>
+          </p:cNvPr>
+          <p:cNvSpPr/>
+          <p:nvPr/>
+        </p:nvSpPr>
+        <p:spPr>
+          <a:xfrm>
+            <a:off x="8514962" y="6991345"/>
+            <a:ext cx="3310042" cy="581041"/>
+          </a:xfrm>
+          <a:prstGeom prst="rect">
+            <a:avLst/>
+          </a:prstGeom>
+        </p:spPr>
+        <p:style>
+          <a:lnRef idx="2">
+            <a:schemeClr val="dk1"/>
+          </a:lnRef>
+          <a:fillRef idx="1">
+            <a:schemeClr val="lt1"/>
+          </a:fillRef>
+          <a:effectRef idx="0">
+            <a:schemeClr val="dk1"/>
+          </a:effectRef>
+          <a:fontRef idx="minor">
+            <a:schemeClr val="dk1"/>
+          </a:fontRef>
+        </p:style>
+        <p:txBody>
+          <a:bodyPr rtlCol="0" anchor="ctr"/>
+          <a:lstStyle/>
+          <a:p>
+            <a:pPr algn="ctr"/>
+            <a:r>
+              <a:rPr lang="en-US" dirty="0">
+                <a:latin typeface="LM Mono 12" panose="00000509000000000000" pitchFamily="49" charset="0"/>
+              </a:rPr>
+              <a:t>Credit Card Fraud Dataset</a:t>
+            </a:r>
+          </a:p>
+        </p:txBody>
+      </p:sp>
+      <p:sp>
+        <p:nvSpPr>
+          <p:cNvPr id="10" name="Rectangle 9">
+            <a:extLst>
+              <a:ext uri="{FF2B5EF4-FFF2-40B4-BE49-F238E27FC236}">
+                <a16:creationId xmlns:a16="http://schemas.microsoft.com/office/drawing/2014/main" id="{AE5E9966-4F8F-4573-BC47-231F437D9D04}"/>
+              </a:ext>
+            </a:extLst>
+          </p:cNvPr>
+          <p:cNvSpPr/>
+          <p:nvPr/>
+        </p:nvSpPr>
+        <p:spPr>
+          <a:xfrm>
+            <a:off x="1957388" y="2208218"/>
+            <a:ext cx="1719650" cy="581041"/>
+          </a:xfrm>
+          <a:prstGeom prst="rect">
+            <a:avLst/>
+          </a:prstGeom>
+        </p:spPr>
+        <p:style>
+          <a:lnRef idx="2">
+            <a:schemeClr val="dk1"/>
+          </a:lnRef>
+          <a:fillRef idx="1">
+            <a:schemeClr val="lt1"/>
+          </a:fillRef>
+          <a:effectRef idx="0">
+            <a:schemeClr val="dk1"/>
+          </a:effectRef>
+          <a:fontRef idx="minor">
+            <a:schemeClr val="dk1"/>
+          </a:fontRef>
+        </p:style>
+        <p:txBody>
+          <a:bodyPr rtlCol="0" anchor="ctr"/>
+          <a:lstStyle/>
+          <a:p>
+            <a:pPr algn="ctr"/>
+            <a:r>
+              <a:rPr lang="en-US" dirty="0">
+                <a:latin typeface="LM Mono 12" panose="00000509000000000000" pitchFamily="49" charset="0"/>
+              </a:rPr>
+              <a:t>1 : 6</a:t>
+            </a:r>
+          </a:p>
+        </p:txBody>
+      </p:sp>
+      <p:sp>
+        <p:nvSpPr>
+          <p:cNvPr id="13" name="Rectangle 12">
+            <a:extLst>
+              <a:ext uri="{FF2B5EF4-FFF2-40B4-BE49-F238E27FC236}">
+                <a16:creationId xmlns:a16="http://schemas.microsoft.com/office/drawing/2014/main" id="{3D699371-7750-4CE0-918B-17B1E8D76033}"/>
+              </a:ext>
+            </a:extLst>
+          </p:cNvPr>
+          <p:cNvSpPr/>
+          <p:nvPr/>
+        </p:nvSpPr>
+        <p:spPr>
+          <a:xfrm>
+            <a:off x="366218" y="2208218"/>
+            <a:ext cx="1719650" cy="581041"/>
+          </a:xfrm>
+          <a:prstGeom prst="rect">
+            <a:avLst/>
+          </a:prstGeom>
+        </p:spPr>
+        <p:style>
+          <a:lnRef idx="2">
+            <a:schemeClr val="dk1"/>
+          </a:lnRef>
+          <a:fillRef idx="1">
+            <a:schemeClr val="lt1"/>
+          </a:fillRef>
+          <a:effectRef idx="0">
+            <a:schemeClr val="dk1"/>
+          </a:effectRef>
+          <a:fontRef idx="minor">
+            <a:schemeClr val="dk1"/>
+          </a:fontRef>
+        </p:style>
+        <p:txBody>
+          <a:bodyPr rtlCol="0" anchor="ctr"/>
+          <a:lstStyle/>
+          <a:p>
+            <a:pPr algn="ctr"/>
+            <a:r>
+              <a:rPr lang="en-US" dirty="0">
+                <a:latin typeface="LM Mono 12" panose="00000509000000000000" pitchFamily="49" charset="0"/>
+              </a:rPr>
+              <a:t>Imbalanced Ratio</a:t>
+            </a:r>
+          </a:p>
+        </p:txBody>
+      </p:sp>
+      <p:sp>
+        <p:nvSpPr>
+          <p:cNvPr id="14" name="Rectangle 13">
+            <a:extLst>
+              <a:ext uri="{FF2B5EF4-FFF2-40B4-BE49-F238E27FC236}">
+                <a16:creationId xmlns:a16="http://schemas.microsoft.com/office/drawing/2014/main" id="{900D3A53-BCA7-4EE1-9702-E4C5DF58775C}"/>
+              </a:ext>
+            </a:extLst>
+          </p:cNvPr>
+          <p:cNvSpPr/>
+          <p:nvPr/>
+        </p:nvSpPr>
+        <p:spPr>
+          <a:xfrm>
+            <a:off x="1957388" y="2789259"/>
+            <a:ext cx="1719650" cy="581041"/>
+          </a:xfrm>
+          <a:prstGeom prst="rect">
+            <a:avLst/>
+          </a:prstGeom>
+        </p:spPr>
+        <p:style>
+          <a:lnRef idx="2">
+            <a:schemeClr val="dk1"/>
+          </a:lnRef>
+          <a:fillRef idx="1">
+            <a:schemeClr val="lt1"/>
+          </a:fillRef>
+          <a:effectRef idx="0">
+            <a:schemeClr val="dk1"/>
+          </a:effectRef>
+          <a:fontRef idx="minor">
+            <a:schemeClr val="dk1"/>
+          </a:fontRef>
+        </p:style>
+        <p:txBody>
+          <a:bodyPr rtlCol="0" anchor="ctr"/>
+          <a:lstStyle/>
+          <a:p>
+            <a:pPr algn="ctr"/>
+            <a:r>
+              <a:rPr lang="en-US" dirty="0">
+                <a:latin typeface="LM Mono 12" panose="00000509000000000000" pitchFamily="49" charset="0"/>
+              </a:rPr>
+              <a:t>17</a:t>
+            </a:r>
+          </a:p>
+        </p:txBody>
+      </p:sp>
+      <p:sp>
+        <p:nvSpPr>
+          <p:cNvPr id="15" name="Rectangle 14">
+            <a:extLst>
+              <a:ext uri="{FF2B5EF4-FFF2-40B4-BE49-F238E27FC236}">
+                <a16:creationId xmlns:a16="http://schemas.microsoft.com/office/drawing/2014/main" id="{758516C2-8964-4C6A-8B48-A45B497B2437}"/>
+              </a:ext>
+            </a:extLst>
+          </p:cNvPr>
+          <p:cNvSpPr/>
+          <p:nvPr/>
+        </p:nvSpPr>
+        <p:spPr>
+          <a:xfrm>
+            <a:off x="366218" y="2789259"/>
+            <a:ext cx="1719650" cy="581041"/>
+          </a:xfrm>
+          <a:prstGeom prst="rect">
+            <a:avLst/>
+          </a:prstGeom>
+        </p:spPr>
+        <p:style>
+          <a:lnRef idx="2">
+            <a:schemeClr val="dk1"/>
+          </a:lnRef>
+          <a:fillRef idx="1">
+            <a:schemeClr val="lt1"/>
+          </a:fillRef>
+          <a:effectRef idx="0">
+            <a:schemeClr val="dk1"/>
+          </a:effectRef>
+          <a:fontRef idx="minor">
+            <a:schemeClr val="dk1"/>
+          </a:fontRef>
+        </p:style>
+        <p:txBody>
+          <a:bodyPr rtlCol="0" anchor="ctr"/>
+          <a:lstStyle/>
+          <a:p>
+            <a:pPr algn="ctr"/>
+            <a:r>
+              <a:rPr lang="en-US" dirty="0">
+                <a:latin typeface="LM Mono 12" panose="00000509000000000000" pitchFamily="49" charset="0"/>
+              </a:rPr>
+              <a:t>Attributes</a:t>
+            </a:r>
+          </a:p>
+        </p:txBody>
+      </p:sp>
+      <p:sp>
+        <p:nvSpPr>
+          <p:cNvPr id="16" name="Rectangle 15">
+            <a:extLst>
+              <a:ext uri="{FF2B5EF4-FFF2-40B4-BE49-F238E27FC236}">
+                <a16:creationId xmlns:a16="http://schemas.microsoft.com/office/drawing/2014/main" id="{96442730-C33B-45CC-8AE6-4AA010DF21F2}"/>
+              </a:ext>
+            </a:extLst>
+          </p:cNvPr>
+          <p:cNvSpPr/>
+          <p:nvPr/>
+        </p:nvSpPr>
+        <p:spPr>
+          <a:xfrm>
+            <a:off x="6064745" y="7566030"/>
+            <a:ext cx="1719650" cy="581041"/>
+          </a:xfrm>
+          <a:prstGeom prst="rect">
+            <a:avLst/>
+          </a:prstGeom>
+        </p:spPr>
+        <p:style>
+          <a:lnRef idx="2">
+            <a:schemeClr val="dk1"/>
+          </a:lnRef>
+          <a:fillRef idx="1">
+            <a:schemeClr val="lt1"/>
+          </a:fillRef>
+          <a:effectRef idx="0">
+            <a:schemeClr val="dk1"/>
+          </a:effectRef>
+          <a:fontRef idx="minor">
+            <a:schemeClr val="dk1"/>
+          </a:fontRef>
+        </p:style>
+        <p:txBody>
+          <a:bodyPr rtlCol="0" anchor="ctr"/>
+          <a:lstStyle/>
+          <a:p>
+            <a:pPr algn="ctr"/>
+            <a:r>
+              <a:rPr lang="en-US" dirty="0">
+                <a:latin typeface="LM Mono 12" panose="00000509000000000000" pitchFamily="49" charset="0"/>
+              </a:rPr>
+              <a:t>2 : 3</a:t>
+            </a:r>
+          </a:p>
+        </p:txBody>
+      </p:sp>
+      <p:sp>
+        <p:nvSpPr>
+          <p:cNvPr id="17" name="Rectangle 16">
+            <a:extLst>
+              <a:ext uri="{FF2B5EF4-FFF2-40B4-BE49-F238E27FC236}">
+                <a16:creationId xmlns:a16="http://schemas.microsoft.com/office/drawing/2014/main" id="{69EC96EC-F15E-4FBA-AEEF-E923F67A85A0}"/>
+              </a:ext>
+            </a:extLst>
+          </p:cNvPr>
+          <p:cNvSpPr/>
+          <p:nvPr/>
+        </p:nvSpPr>
+        <p:spPr>
+          <a:xfrm>
+            <a:off x="4473575" y="7566030"/>
+            <a:ext cx="1719650" cy="581041"/>
+          </a:xfrm>
+          <a:prstGeom prst="rect">
+            <a:avLst/>
+          </a:prstGeom>
+        </p:spPr>
+        <p:style>
+          <a:lnRef idx="2">
+            <a:schemeClr val="dk1"/>
+          </a:lnRef>
+          <a:fillRef idx="1">
+            <a:schemeClr val="lt1"/>
+          </a:fillRef>
+          <a:effectRef idx="0">
+            <a:schemeClr val="dk1"/>
+          </a:effectRef>
+          <a:fontRef idx="minor">
+            <a:schemeClr val="dk1"/>
+          </a:fontRef>
+        </p:style>
+        <p:txBody>
+          <a:bodyPr rtlCol="0" anchor="ctr"/>
+          <a:lstStyle/>
+          <a:p>
+            <a:pPr algn="ctr"/>
+            <a:r>
+              <a:rPr lang="en-US" dirty="0">
+                <a:latin typeface="LM Mono 12" panose="00000509000000000000" pitchFamily="49" charset="0"/>
+              </a:rPr>
+              <a:t>Imbalanced Ratio</a:t>
+            </a:r>
+          </a:p>
+        </p:txBody>
+      </p:sp>
+      <p:sp>
+        <p:nvSpPr>
+          <p:cNvPr id="18" name="Rectangle 17">
+            <a:extLst>
+              <a:ext uri="{FF2B5EF4-FFF2-40B4-BE49-F238E27FC236}">
+                <a16:creationId xmlns:a16="http://schemas.microsoft.com/office/drawing/2014/main" id="{C867BA28-A5AE-43F3-BEDC-89F5C6487EC5}"/>
+              </a:ext>
+            </a:extLst>
+          </p:cNvPr>
+          <p:cNvSpPr/>
+          <p:nvPr/>
+        </p:nvSpPr>
+        <p:spPr>
+          <a:xfrm>
+            <a:off x="6064745" y="8147071"/>
+            <a:ext cx="1719650" cy="581041"/>
+          </a:xfrm>
+          <a:prstGeom prst="rect">
+            <a:avLst/>
+          </a:prstGeom>
+        </p:spPr>
+        <p:style>
+          <a:lnRef idx="2">
+            <a:schemeClr val="dk1"/>
+          </a:lnRef>
+          <a:fillRef idx="1">
+            <a:schemeClr val="lt1"/>
+          </a:fillRef>
+          <a:effectRef idx="0">
+            <a:schemeClr val="dk1"/>
+          </a:effectRef>
+          <a:fontRef idx="minor">
+            <a:schemeClr val="dk1"/>
+          </a:fontRef>
+        </p:style>
+        <p:txBody>
+          <a:bodyPr rtlCol="0" anchor="ctr"/>
+          <a:lstStyle/>
+          <a:p>
+            <a:pPr algn="ctr"/>
+            <a:r>
+              <a:rPr lang="en-US" dirty="0">
+                <a:latin typeface="LM Mono 12" panose="00000509000000000000" pitchFamily="49" charset="0"/>
+              </a:rPr>
+              <a:t>58</a:t>
+            </a:r>
+          </a:p>
+        </p:txBody>
+      </p:sp>
+      <p:sp>
+        <p:nvSpPr>
+          <p:cNvPr id="19" name="Rectangle 18">
+            <a:extLst>
+              <a:ext uri="{FF2B5EF4-FFF2-40B4-BE49-F238E27FC236}">
+                <a16:creationId xmlns:a16="http://schemas.microsoft.com/office/drawing/2014/main" id="{B1A93A2B-8F04-4270-973E-3ECEFA96FC0E}"/>
+              </a:ext>
+            </a:extLst>
+          </p:cNvPr>
+          <p:cNvSpPr/>
+          <p:nvPr/>
+        </p:nvSpPr>
+        <p:spPr>
+          <a:xfrm>
+            <a:off x="4473575" y="8147071"/>
+            <a:ext cx="1719650" cy="581041"/>
+          </a:xfrm>
+          <a:prstGeom prst="rect">
+            <a:avLst/>
+          </a:prstGeom>
+        </p:spPr>
+        <p:style>
+          <a:lnRef idx="2">
+            <a:schemeClr val="dk1"/>
+          </a:lnRef>
+          <a:fillRef idx="1">
+            <a:schemeClr val="lt1"/>
+          </a:fillRef>
+          <a:effectRef idx="0">
+            <a:schemeClr val="dk1"/>
+          </a:effectRef>
+          <a:fontRef idx="minor">
+            <a:schemeClr val="dk1"/>
+          </a:fontRef>
+        </p:style>
+        <p:txBody>
+          <a:bodyPr rtlCol="0" anchor="ctr"/>
+          <a:lstStyle/>
+          <a:p>
+            <a:pPr algn="ctr"/>
+            <a:r>
+              <a:rPr lang="en-US" dirty="0">
+                <a:latin typeface="LM Mono 12" panose="00000509000000000000" pitchFamily="49" charset="0"/>
+              </a:rPr>
+              <a:t>Attributes</a:t>
+            </a:r>
+          </a:p>
+        </p:txBody>
+      </p:sp>
+      <p:sp>
+        <p:nvSpPr>
+          <p:cNvPr id="24" name="Rectangle 23">
+            <a:extLst>
+              <a:ext uri="{FF2B5EF4-FFF2-40B4-BE49-F238E27FC236}">
+                <a16:creationId xmlns:a16="http://schemas.microsoft.com/office/drawing/2014/main" id="{2AF5892B-F277-4004-90F5-CA20FFBD9148}"/>
+              </a:ext>
+            </a:extLst>
+          </p:cNvPr>
+          <p:cNvSpPr/>
+          <p:nvPr/>
+        </p:nvSpPr>
+        <p:spPr>
+          <a:xfrm>
+            <a:off x="10106132" y="7566030"/>
+            <a:ext cx="1719650" cy="581041"/>
+          </a:xfrm>
+          <a:prstGeom prst="rect">
+            <a:avLst/>
+          </a:prstGeom>
+        </p:spPr>
+        <p:style>
+          <a:lnRef idx="2">
+            <a:schemeClr val="dk1"/>
+          </a:lnRef>
+          <a:fillRef idx="1">
+            <a:schemeClr val="lt1"/>
+          </a:fillRef>
+          <a:effectRef idx="0">
+            <a:schemeClr val="dk1"/>
+          </a:effectRef>
+          <a:fontRef idx="minor">
+            <a:schemeClr val="dk1"/>
+          </a:fontRef>
+        </p:style>
+        <p:txBody>
+          <a:bodyPr rtlCol="0" anchor="ctr"/>
+          <a:lstStyle/>
+          <a:p>
+            <a:pPr algn="ctr"/>
+            <a:r>
+              <a:rPr lang="en-US" dirty="0">
+                <a:latin typeface="LM Mono 12" panose="00000509000000000000" pitchFamily="49" charset="0"/>
+              </a:rPr>
+              <a:t>1 : 57</a:t>
+            </a:r>
+          </a:p>
+        </p:txBody>
+      </p:sp>
+      <p:sp>
+        <p:nvSpPr>
+          <p:cNvPr id="25" name="Rectangle 24">
+            <a:extLst>
+              <a:ext uri="{FF2B5EF4-FFF2-40B4-BE49-F238E27FC236}">
+                <a16:creationId xmlns:a16="http://schemas.microsoft.com/office/drawing/2014/main" id="{79BD001C-A8C5-4A04-B555-F2D9B815787F}"/>
+              </a:ext>
+            </a:extLst>
+          </p:cNvPr>
+          <p:cNvSpPr/>
+          <p:nvPr/>
+        </p:nvSpPr>
+        <p:spPr>
+          <a:xfrm>
+            <a:off x="8514962" y="7566030"/>
+            <a:ext cx="1719650" cy="581041"/>
+          </a:xfrm>
+          <a:prstGeom prst="rect">
+            <a:avLst/>
+          </a:prstGeom>
+        </p:spPr>
+        <p:style>
+          <a:lnRef idx="2">
+            <a:schemeClr val="dk1"/>
+          </a:lnRef>
+          <a:fillRef idx="1">
+            <a:schemeClr val="lt1"/>
+          </a:fillRef>
+          <a:effectRef idx="0">
+            <a:schemeClr val="dk1"/>
+          </a:effectRef>
+          <a:fontRef idx="minor">
+            <a:schemeClr val="dk1"/>
+          </a:fontRef>
+        </p:style>
+        <p:txBody>
+          <a:bodyPr rtlCol="0" anchor="ctr"/>
+          <a:lstStyle/>
+          <a:p>
+            <a:pPr algn="ctr"/>
+            <a:r>
+              <a:rPr lang="en-US" dirty="0">
+                <a:latin typeface="LM Mono 12" panose="00000509000000000000" pitchFamily="49" charset="0"/>
+              </a:rPr>
+              <a:t>Imbalanced Ratio</a:t>
+            </a:r>
+          </a:p>
+        </p:txBody>
+      </p:sp>
+      <p:sp>
+        <p:nvSpPr>
+          <p:cNvPr id="26" name="Rectangle 25">
+            <a:extLst>
+              <a:ext uri="{FF2B5EF4-FFF2-40B4-BE49-F238E27FC236}">
+                <a16:creationId xmlns:a16="http://schemas.microsoft.com/office/drawing/2014/main" id="{8E094F18-4A17-4914-9B4B-ADD74BFE37ED}"/>
+              </a:ext>
+            </a:extLst>
+          </p:cNvPr>
+          <p:cNvSpPr/>
+          <p:nvPr/>
+        </p:nvSpPr>
+        <p:spPr>
+          <a:xfrm>
+            <a:off x="10106132" y="8147071"/>
+            <a:ext cx="1719650" cy="581041"/>
+          </a:xfrm>
+          <a:prstGeom prst="rect">
+            <a:avLst/>
+          </a:prstGeom>
+        </p:spPr>
+        <p:style>
+          <a:lnRef idx="2">
+            <a:schemeClr val="dk1"/>
+          </a:lnRef>
+          <a:fillRef idx="1">
+            <a:schemeClr val="lt1"/>
+          </a:fillRef>
+          <a:effectRef idx="0">
+            <a:schemeClr val="dk1"/>
+          </a:effectRef>
+          <a:fontRef idx="minor">
+            <a:schemeClr val="dk1"/>
+          </a:fontRef>
+        </p:style>
+        <p:txBody>
+          <a:bodyPr rtlCol="0" anchor="ctr"/>
+          <a:lstStyle/>
+          <a:p>
+            <a:pPr algn="ctr"/>
+            <a:r>
+              <a:rPr lang="en-US" dirty="0">
+                <a:latin typeface="LM Mono 12" panose="00000509000000000000" pitchFamily="49" charset="0"/>
+              </a:rPr>
+              <a:t>30</a:t>
+            </a:r>
+          </a:p>
+        </p:txBody>
+      </p:sp>
+      <p:sp>
+        <p:nvSpPr>
+          <p:cNvPr id="27" name="Rectangle 26">
+            <a:extLst>
+              <a:ext uri="{FF2B5EF4-FFF2-40B4-BE49-F238E27FC236}">
+                <a16:creationId xmlns:a16="http://schemas.microsoft.com/office/drawing/2014/main" id="{FB626AD1-7CE7-4111-B6EA-E399546D7D5F}"/>
+              </a:ext>
+            </a:extLst>
+          </p:cNvPr>
+          <p:cNvSpPr/>
+          <p:nvPr/>
+        </p:nvSpPr>
+        <p:spPr>
+          <a:xfrm>
+            <a:off x="8514962" y="8147071"/>
+            <a:ext cx="1719650" cy="581041"/>
+          </a:xfrm>
+          <a:prstGeom prst="rect">
+            <a:avLst/>
+          </a:prstGeom>
+        </p:spPr>
+        <p:style>
+          <a:lnRef idx="2">
+            <a:schemeClr val="dk1"/>
+          </a:lnRef>
+          <a:fillRef idx="1">
+            <a:schemeClr val="lt1"/>
+          </a:fillRef>
+          <a:effectRef idx="0">
+            <a:schemeClr val="dk1"/>
+          </a:effectRef>
+          <a:fontRef idx="minor">
+            <a:schemeClr val="dk1"/>
+          </a:fontRef>
+        </p:style>
+        <p:txBody>
+          <a:bodyPr rtlCol="0" anchor="ctr"/>
+          <a:lstStyle/>
+          <a:p>
+            <a:pPr algn="ctr"/>
+            <a:r>
+              <a:rPr lang="en-US" dirty="0">
+                <a:latin typeface="LM Mono 12" panose="00000509000000000000" pitchFamily="49" charset="0"/>
+              </a:rPr>
+              <a:t>Attributes</a:t>
+            </a:r>
+          </a:p>
+        </p:txBody>
+      </p:sp>
+      <p:sp>
+        <p:nvSpPr>
+          <p:cNvPr id="28" name="Rectangle 27">
+            <a:extLst>
+              <a:ext uri="{FF2B5EF4-FFF2-40B4-BE49-F238E27FC236}">
+                <a16:creationId xmlns:a16="http://schemas.microsoft.com/office/drawing/2014/main" id="{83CE547E-245A-469E-940E-3120AF8EA174}"/>
+              </a:ext>
+            </a:extLst>
+          </p:cNvPr>
+          <p:cNvSpPr/>
+          <p:nvPr/>
+        </p:nvSpPr>
+        <p:spPr>
+          <a:xfrm>
+            <a:off x="1957388" y="3370300"/>
+            <a:ext cx="1719650" cy="581041"/>
+          </a:xfrm>
+          <a:prstGeom prst="rect">
+            <a:avLst/>
+          </a:prstGeom>
+        </p:spPr>
+        <p:style>
+          <a:lnRef idx="2">
+            <a:schemeClr val="dk1"/>
+          </a:lnRef>
+          <a:fillRef idx="1">
+            <a:schemeClr val="lt1"/>
+          </a:fillRef>
+          <a:effectRef idx="0">
+            <a:schemeClr val="dk1"/>
+          </a:effectRef>
+          <a:fontRef idx="minor">
+            <a:schemeClr val="dk1"/>
+          </a:fontRef>
+        </p:style>
+        <p:txBody>
+          <a:bodyPr rtlCol="0" anchor="ctr"/>
+          <a:lstStyle/>
+          <a:p>
+            <a:pPr algn="ctr"/>
+            <a:r>
+              <a:rPr lang="en-US" dirty="0">
+                <a:latin typeface="LM Mono 12" panose="00000509000000000000" pitchFamily="49" charset="0"/>
+              </a:rPr>
+              <a:t>2308</a:t>
+            </a:r>
+          </a:p>
+        </p:txBody>
+      </p:sp>
+      <p:sp>
+        <p:nvSpPr>
+          <p:cNvPr id="29" name="Rectangle 28">
+            <a:extLst>
+              <a:ext uri="{FF2B5EF4-FFF2-40B4-BE49-F238E27FC236}">
+                <a16:creationId xmlns:a16="http://schemas.microsoft.com/office/drawing/2014/main" id="{D0EA8A9D-69A1-4C55-9FF9-1FEDE8B17D16}"/>
+              </a:ext>
+            </a:extLst>
+          </p:cNvPr>
+          <p:cNvSpPr/>
+          <p:nvPr/>
+        </p:nvSpPr>
+        <p:spPr>
+          <a:xfrm>
+            <a:off x="366218" y="3370300"/>
+            <a:ext cx="1719650" cy="581041"/>
+          </a:xfrm>
+          <a:prstGeom prst="rect">
+            <a:avLst/>
+          </a:prstGeom>
+        </p:spPr>
+        <p:style>
+          <a:lnRef idx="2">
+            <a:schemeClr val="dk1"/>
+          </a:lnRef>
+          <a:fillRef idx="1">
+            <a:schemeClr val="lt1"/>
+          </a:fillRef>
+          <a:effectRef idx="0">
+            <a:schemeClr val="dk1"/>
+          </a:effectRef>
+          <a:fontRef idx="minor">
+            <a:schemeClr val="dk1"/>
+          </a:fontRef>
+        </p:style>
+        <p:txBody>
+          <a:bodyPr rtlCol="0" anchor="ctr"/>
+          <a:lstStyle/>
+          <a:p>
+            <a:pPr algn="ctr"/>
+            <a:r>
+              <a:rPr lang="en-US" dirty="0">
+                <a:latin typeface="LM Mono 12" panose="00000509000000000000" pitchFamily="49" charset="0"/>
+              </a:rPr>
+              <a:t>Observations</a:t>
+            </a:r>
+          </a:p>
+        </p:txBody>
+      </p:sp>
+      <p:sp>
+        <p:nvSpPr>
+          <p:cNvPr id="30" name="Rectangle 29">
+            <a:extLst>
+              <a:ext uri="{FF2B5EF4-FFF2-40B4-BE49-F238E27FC236}">
+                <a16:creationId xmlns:a16="http://schemas.microsoft.com/office/drawing/2014/main" id="{21F5CA2E-E424-45EC-B537-3D3387A0A21C}"/>
+              </a:ext>
+            </a:extLst>
+          </p:cNvPr>
+          <p:cNvSpPr/>
+          <p:nvPr/>
+        </p:nvSpPr>
+        <p:spPr>
+          <a:xfrm>
+            <a:off x="6063967" y="8728112"/>
+            <a:ext cx="1719650" cy="581041"/>
+          </a:xfrm>
+          <a:prstGeom prst="rect">
+            <a:avLst/>
+          </a:prstGeom>
+        </p:spPr>
+        <p:style>
+          <a:lnRef idx="2">
+            <a:schemeClr val="dk1"/>
+          </a:lnRef>
+          <a:fillRef idx="1">
+            <a:schemeClr val="lt1"/>
+          </a:fillRef>
+          <a:effectRef idx="0">
+            <a:schemeClr val="dk1"/>
+          </a:effectRef>
+          <a:fontRef idx="minor">
+            <a:schemeClr val="dk1"/>
+          </a:fontRef>
+        </p:style>
+        <p:txBody>
+          <a:bodyPr rtlCol="0" anchor="ctr"/>
+          <a:lstStyle/>
+          <a:p>
+            <a:pPr algn="ctr"/>
+            <a:r>
+              <a:rPr lang="en-US" dirty="0">
+                <a:latin typeface="LM Mono 12" panose="00000509000000000000" pitchFamily="49" charset="0"/>
+              </a:rPr>
+              <a:t>4601</a:t>
+            </a:r>
+          </a:p>
+        </p:txBody>
+      </p:sp>
+      <p:sp>
+        <p:nvSpPr>
+          <p:cNvPr id="31" name="Rectangle 30">
+            <a:extLst>
+              <a:ext uri="{FF2B5EF4-FFF2-40B4-BE49-F238E27FC236}">
+                <a16:creationId xmlns:a16="http://schemas.microsoft.com/office/drawing/2014/main" id="{DE4BBB5A-FD16-4359-A53B-A901CA49C1FE}"/>
+              </a:ext>
+            </a:extLst>
+          </p:cNvPr>
+          <p:cNvSpPr/>
+          <p:nvPr/>
+        </p:nvSpPr>
+        <p:spPr>
+          <a:xfrm>
+            <a:off x="4472797" y="8728112"/>
+            <a:ext cx="1719650" cy="581041"/>
+          </a:xfrm>
+          <a:prstGeom prst="rect">
+            <a:avLst/>
+          </a:prstGeom>
+        </p:spPr>
+        <p:style>
+          <a:lnRef idx="2">
+            <a:schemeClr val="dk1"/>
+          </a:lnRef>
+          <a:fillRef idx="1">
+            <a:schemeClr val="lt1"/>
+          </a:fillRef>
+          <a:effectRef idx="0">
+            <a:schemeClr val="dk1"/>
+          </a:effectRef>
+          <a:fontRef idx="minor">
+            <a:schemeClr val="dk1"/>
+          </a:fontRef>
+        </p:style>
+        <p:txBody>
+          <a:bodyPr rtlCol="0" anchor="ctr"/>
+          <a:lstStyle/>
+          <a:p>
+            <a:pPr algn="ctr"/>
+            <a:r>
+              <a:rPr lang="en-US" dirty="0">
+                <a:latin typeface="LM Mono 12" panose="00000509000000000000" pitchFamily="49" charset="0"/>
+              </a:rPr>
+              <a:t>Observations</a:t>
+            </a:r>
+          </a:p>
+        </p:txBody>
+      </p:sp>
+      <p:sp>
+        <p:nvSpPr>
+          <p:cNvPr id="32" name="Rectangle 31">
+            <a:extLst>
+              <a:ext uri="{FF2B5EF4-FFF2-40B4-BE49-F238E27FC236}">
+                <a16:creationId xmlns:a16="http://schemas.microsoft.com/office/drawing/2014/main" id="{05EBB661-5107-4369-9879-7761B268B271}"/>
+              </a:ext>
+            </a:extLst>
+          </p:cNvPr>
+          <p:cNvSpPr/>
+          <p:nvPr/>
+        </p:nvSpPr>
+        <p:spPr>
+          <a:xfrm>
+            <a:off x="10105354" y="8728112"/>
+            <a:ext cx="1719650" cy="581041"/>
+          </a:xfrm>
+          <a:prstGeom prst="rect">
+            <a:avLst/>
+          </a:prstGeom>
+        </p:spPr>
+        <p:style>
+          <a:lnRef idx="2">
+            <a:schemeClr val="dk1"/>
+          </a:lnRef>
+          <a:fillRef idx="1">
+            <a:schemeClr val="lt1"/>
+          </a:fillRef>
+          <a:effectRef idx="0">
+            <a:schemeClr val="dk1"/>
+          </a:effectRef>
+          <a:fontRef idx="minor">
+            <a:schemeClr val="dk1"/>
+          </a:fontRef>
+        </p:style>
+        <p:txBody>
+          <a:bodyPr rtlCol="0" anchor="ctr"/>
+          <a:lstStyle/>
+          <a:p>
+            <a:pPr algn="ctr"/>
+            <a:r>
+              <a:rPr lang="en-US" dirty="0">
+                <a:latin typeface="LM Mono 12" panose="00000509000000000000" pitchFamily="49" charset="0"/>
+              </a:rPr>
+              <a:t>284807</a:t>
+            </a:r>
+          </a:p>
+        </p:txBody>
+      </p:sp>
+      <p:sp>
+        <p:nvSpPr>
+          <p:cNvPr id="33" name="Rectangle 32">
+            <a:extLst>
+              <a:ext uri="{FF2B5EF4-FFF2-40B4-BE49-F238E27FC236}">
+                <a16:creationId xmlns:a16="http://schemas.microsoft.com/office/drawing/2014/main" id="{9337227F-BDEA-4D02-999C-0B71C42D7BFA}"/>
+              </a:ext>
+            </a:extLst>
+          </p:cNvPr>
+          <p:cNvSpPr/>
+          <p:nvPr/>
+        </p:nvSpPr>
+        <p:spPr>
+          <a:xfrm>
+            <a:off x="8514184" y="8728112"/>
+            <a:ext cx="1719650" cy="581041"/>
+          </a:xfrm>
+          <a:prstGeom prst="rect">
+            <a:avLst/>
+          </a:prstGeom>
+        </p:spPr>
+        <p:style>
+          <a:lnRef idx="2">
+            <a:schemeClr val="dk1"/>
+          </a:lnRef>
+          <a:fillRef idx="1">
+            <a:schemeClr val="lt1"/>
+          </a:fillRef>
+          <a:effectRef idx="0">
+            <a:schemeClr val="dk1"/>
+          </a:effectRef>
+          <a:fontRef idx="minor">
+            <a:schemeClr val="dk1"/>
+          </a:fontRef>
+        </p:style>
+        <p:txBody>
+          <a:bodyPr rtlCol="0" anchor="ctr"/>
+          <a:lstStyle/>
+          <a:p>
+            <a:pPr algn="ctr"/>
+            <a:r>
+              <a:rPr lang="en-US" dirty="0">
+                <a:latin typeface="LM Mono 12" panose="00000509000000000000" pitchFamily="49" charset="0"/>
+              </a:rPr>
+              <a:t>Observations</a:t>
+            </a:r>
+          </a:p>
+        </p:txBody>
+      </p:sp>
+      <p:pic>
+        <p:nvPicPr>
+          <p:cNvPr id="3" name="Picture 2">
+            <a:extLst>
+              <a:ext uri="{FF2B5EF4-FFF2-40B4-BE49-F238E27FC236}">
+                <a16:creationId xmlns:a16="http://schemas.microsoft.com/office/drawing/2014/main" id="{EDD38FCC-CBD6-4FBB-B382-33C7A9085AE2}"/>
+              </a:ext>
+            </a:extLst>
+          </p:cNvPr>
+          <p:cNvPicPr>
+            <a:picLocks noChangeAspect="1"/>
+          </p:cNvPicPr>
+          <p:nvPr/>
+        </p:nvPicPr>
+        <p:blipFill>
+          <a:blip r:embed="rId2"/>
+          <a:stretch>
+            <a:fillRect/>
+          </a:stretch>
+        </p:blipFill>
+        <p:spPr>
+          <a:xfrm>
+            <a:off x="175046" y="1079529"/>
+            <a:ext cx="11440692" cy="5172326"/>
+          </a:xfrm>
+          <a:prstGeom prst="rect">
+            <a:avLst/>
+          </a:prstGeom>
+        </p:spPr>
+      </p:pic>
     </p:spTree>
     <p:extLst>
       <p:ext uri="{BB962C8B-B14F-4D97-AF65-F5344CB8AC3E}">
-        <p14:creationId xmlns:p14="http://schemas.microsoft.com/office/powerpoint/2010/main" val="1092752375"/>
+        <p14:creationId xmlns:p14="http://schemas.microsoft.com/office/powerpoint/2010/main" val="3245856842"/>
       </p:ext>
     </p:extLst>
   </p:cSld>
   <p:clrMapOvr>
     <a:masterClrMapping/>
   </p:clrMapOvr>
+  <mc:AlternateContent xmlns:mc="http://schemas.openxmlformats.org/markup-compatibility/2006" xmlns:p159="http://schemas.microsoft.com/office/powerpoint/2015/09/main">
+    <mc:Choice Requires="p159">
+      <p:transition spd="slow">
+        <p159:morph option="byObject"/>
+      </p:transition>
+    </mc:Choice>
+    <mc:Fallback xmlns="">
+      <p:transition spd="slow">
+        <p:fade/>
+      </p:transition>
+    </mc:Fallback>
+  </mc:AlternateContent>
 </p:sld>
 </file>
 
